--- a/CSI1004 Computer Oraganization and Architectre/Suresh Kumar/Page replacement_algorithms.pptx
+++ b/CSI1004 Computer Oraganization and Architectre/Suresh Kumar/Page replacement_algorithms.pptx
@@ -116,7 +116,7 @@
   </p:defaultTextStyle>
   <p:extLst>
     <p:ext uri="{EFAFB233-063F-42B5-8137-9DF3F51BA10A}">
-      <p15:sldGuideLst xmlns:p15="http://schemas.microsoft.com/office/powerpoint/2012/main" xmlns="">
+      <p15:sldGuideLst xmlns:p15="http://schemas.microsoft.com/office/powerpoint/2012/main">
         <p15:guide id="1" orient="horz" pos="2160">
           <p15:clr>
             <a:srgbClr val="A4A3A4"/>
@@ -131,6 +131,168 @@
     </p:ext>
   </p:extLst>
 </p:presentation>
+</file>
+
+<file path=ppt/ink/ink1.xml><?xml version="1.0" encoding="utf-8"?>
+<inkml:ink xmlns:inkml="http://www.w3.org/2003/InkML">
+  <inkml:definitions>
+    <inkml:context xml:id="ctx0">
+      <inkml:inkSource xml:id="inkSrc0">
+        <inkml:traceFormat>
+          <inkml:channel name="X" type="integer" min="-2.14748E9" max="2.14748E9" units="cm"/>
+          <inkml:channel name="Y" type="integer" min="-2.14748E9" max="2.14748E9" units="cm"/>
+        </inkml:traceFormat>
+        <inkml:channelProperties>
+          <inkml:channelProperty channel="X" name="resolution" value="1000" units="1/cm"/>
+          <inkml:channelProperty channel="Y" name="resolution" value="1000" units="1/cm"/>
+        </inkml:channelProperties>
+      </inkml:inkSource>
+      <inkml:timestamp xml:id="ts0" timeString="2021-01-16T14:18:59.837"/>
+    </inkml:context>
+    <inkml:brush xml:id="br0">
+      <inkml:brushProperty name="width" value="0.05" units="cm"/>
+      <inkml:brushProperty name="height" value="0.05" units="cm"/>
+      <inkml:brushProperty name="color" value="#CC0066"/>
+      <inkml:brushProperty name="ignorePressure" value="1"/>
+    </inkml:brush>
+  </inkml:definitions>
+  <inkml:trace contextRef="#ctx0" brushRef="#br0">917 1,'-18'0,"0"2,1 0,-1 1,1 0,-17 7,-81 35,14-4,42-18,43-15,-1-1,0-1,-32 8,-74-4,82-8,-54 10,83-11,0 2,1-1,-1 2,1-1,0 1,0 1,0 0,1 1,0 0,-18 14,6 2</inkml:trace>
+</inkml:ink>
+</file>
+
+<file path=ppt/ink/ink2.xml><?xml version="1.0" encoding="utf-8"?>
+<inkml:ink xmlns:inkml="http://www.w3.org/2003/InkML">
+  <inkml:definitions>
+    <inkml:context xml:id="ctx0">
+      <inkml:inkSource xml:id="inkSrc0">
+        <inkml:traceFormat>
+          <inkml:channel name="X" type="integer" min="-2.14748E9" max="2.14748E9" units="cm"/>
+          <inkml:channel name="Y" type="integer" min="-2.14748E9" max="2.14748E9" units="cm"/>
+        </inkml:traceFormat>
+        <inkml:channelProperties>
+          <inkml:channelProperty channel="X" name="resolution" value="1000" units="1/cm"/>
+          <inkml:channelProperty channel="Y" name="resolution" value="1000" units="1/cm"/>
+        </inkml:channelProperties>
+      </inkml:inkSource>
+      <inkml:timestamp xml:id="ts0" timeString="2021-01-16T14:29:12.832"/>
+    </inkml:context>
+    <inkml:brush xml:id="br0">
+      <inkml:brushProperty name="width" value="0.05" units="cm"/>
+      <inkml:brushProperty name="height" value="0.05" units="cm"/>
+      <inkml:brushProperty name="color" value="#004F8B"/>
+      <inkml:brushProperty name="ignorePressure" value="1"/>
+    </inkml:brush>
+  </inkml:definitions>
+  <inkml:trace contextRef="#ctx0" brushRef="#br0">955 202,'-10'0,"-12"0,1 0,-40 7,54-5,0 0,0 0,0 0,1 1,0 0,-1 0,1 0,0 1,0 0,1 0,-1 1,-8 9,-12 19,1 1,-29 53,18-26,-9 6,-3-1,-3-3,-92 88,110-120,-16 16,-87 104,123-134,1 1,1 0,0 0,2 2,0-1,1 1,1 0,1 1,0 0,-3 32,5 22,11 142,-2-166,3 0,2-1,2 0,2-1,37 83,-34-92,-2 1,13 55,-18-61,1 0,30 59,10 32,-38-86,72 199,97 181,-72-188,-98-207,3 0,1 0,1-1,1-1,25 25,23 30,-10 3,-39-54,1-1,1 0,44 45,-31-46,0-2,1-1,51 26,-7-5,12 12,67 37,-120-73,2-1,58 18,-7-13,0-3,1-4,133 6,279-18,-292-7,567 2,-565 17,-117-6,196 20,-86-1,-132-15,121 40,-159-43,65 25,17 6,30 7,-87-27,103 23,145 2,-163-28,325 18,2-36,-245-4,1769 3,-1704-5,522-75,-556 40,329-9,39 47,1-1,-3-32,341-13,2413 51,-2551-51,109 7,181 44,-812-17,-51 1,134-15,-376 27,94-10,86-7,20 4,79-2,858 15,-532 3,-344-19,-194 10,250-37,-312 41,46-11,-1-2,72-29,-12 4,-72 26,-2-2,0-3,0-1,47-30,-85 45,0-2,-1 0,1 0,-2 0,1-1,-1-1,0 1,-1-1,0 0,-1-1,0 0,-1 0,0 0,6-22,-3 1,-2 0,-1-1,-2 0,0-40,1-4,3 0,20-91,56-148,-47 197,58-220,-70 221,-6 0,3-147,-23-145,2 394,-1 0,0 0,-7-32,5 40,1 1,-1-1,0 1,-1-1,0 1,0 0,0 0,-1 1,-10-12,-92-81,-2-4,81 75,-32-26,47 44,0 0,-1 1,0 1,0 0,-21-7,15 9,0 2,0 0,0 2,-1 0,1 1,-39 4,-12-2,-284-15,224 7,-89-7,-142-4,-1111 17,678 3,557-1,-292-4,169-22,19 0,-759 17,663 11,38-2,-561-3,438-16,306 10,-209-20,-54-1,341 26,-211-9,-1043-36,310 19,316 5,284 20,-206-5,-115-9,729 17,1-4,-1-4,-91-21,-272-37,-7 36,233 19,-468-33,508 29,-207-44,189 13,102 23,-96-13,-794-86,485 47,291 41,168 30,-597-79,-763 44,28 41,1362-1,-129 4,110-2,1 0,-1 2,-42 13,52-11,1-1,0 2,1-1,-18 14,-3 5</inkml:trace>
+</inkml:ink>
+</file>
+
+<file path=ppt/ink/ink3.xml><?xml version="1.0" encoding="utf-8"?>
+<inkml:ink xmlns:inkml="http://www.w3.org/2003/InkML">
+  <inkml:definitions>
+    <inkml:context xml:id="ctx0">
+      <inkml:inkSource xml:id="inkSrc0">
+        <inkml:traceFormat>
+          <inkml:channel name="X" type="integer" min="-2.14748E9" max="2.14748E9" units="cm"/>
+          <inkml:channel name="Y" type="integer" min="-2.14748E9" max="2.14748E9" units="cm"/>
+        </inkml:traceFormat>
+        <inkml:channelProperties>
+          <inkml:channelProperty channel="X" name="resolution" value="1000" units="1/cm"/>
+          <inkml:channelProperty channel="Y" name="resolution" value="1000" units="1/cm"/>
+        </inkml:channelProperties>
+      </inkml:inkSource>
+      <inkml:timestamp xml:id="ts0" timeString="2021-01-16T14:40:16.746"/>
+    </inkml:context>
+    <inkml:brush xml:id="br0">
+      <inkml:brushProperty name="width" value="0.05" units="cm"/>
+      <inkml:brushProperty name="height" value="0.05" units="cm"/>
+      <inkml:brushProperty name="color" value="#004F8B"/>
+      <inkml:brushProperty name="ignorePressure" value="1"/>
+    </inkml:brush>
+  </inkml:definitions>
+  <inkml:trace contextRef="#ctx0" brushRef="#br0">0 0</inkml:trace>
+</inkml:ink>
+</file>
+
+<file path=ppt/ink/ink4.xml><?xml version="1.0" encoding="utf-8"?>
+<inkml:ink xmlns:inkml="http://www.w3.org/2003/InkML">
+  <inkml:definitions>
+    <inkml:context xml:id="ctx0">
+      <inkml:inkSource xml:id="inkSrc0">
+        <inkml:traceFormat>
+          <inkml:channel name="X" type="integer" min="-2.14748E9" max="2.14748E9" units="cm"/>
+          <inkml:channel name="Y" type="integer" min="-2.14748E9" max="2.14748E9" units="cm"/>
+        </inkml:traceFormat>
+        <inkml:channelProperties>
+          <inkml:channelProperty channel="X" name="resolution" value="1000" units="1/cm"/>
+          <inkml:channelProperty channel="Y" name="resolution" value="1000" units="1/cm"/>
+        </inkml:channelProperties>
+      </inkml:inkSource>
+      <inkml:timestamp xml:id="ts0" timeString="2021-01-16T14:40:17.701"/>
+    </inkml:context>
+    <inkml:brush xml:id="br0">
+      <inkml:brushProperty name="width" value="0.05" units="cm"/>
+      <inkml:brushProperty name="height" value="0.05" units="cm"/>
+      <inkml:brushProperty name="color" value="#004F8B"/>
+      <inkml:brushProperty name="ignorePressure" value="1"/>
+    </inkml:brush>
+  </inkml:definitions>
+  <inkml:trace contextRef="#ctx0" brushRef="#br0">1 0</inkml:trace>
+</inkml:ink>
+</file>
+
+<file path=ppt/ink/ink5.xml><?xml version="1.0" encoding="utf-8"?>
+<inkml:ink xmlns:inkml="http://www.w3.org/2003/InkML">
+  <inkml:definitions>
+    <inkml:context xml:id="ctx0">
+      <inkml:inkSource xml:id="inkSrc0">
+        <inkml:traceFormat>
+          <inkml:channel name="X" type="integer" min="-2.14748E9" max="2.14748E9" units="cm"/>
+          <inkml:channel name="Y" type="integer" min="-2.14748E9" max="2.14748E9" units="cm"/>
+        </inkml:traceFormat>
+        <inkml:channelProperties>
+          <inkml:channelProperty channel="X" name="resolution" value="1000" units="1/cm"/>
+          <inkml:channelProperty channel="Y" name="resolution" value="1000" units="1/cm"/>
+        </inkml:channelProperties>
+      </inkml:inkSource>
+      <inkml:timestamp xml:id="ts0" timeString="2021-01-16T14:40:24.654"/>
+    </inkml:context>
+    <inkml:brush xml:id="br0">
+      <inkml:brushProperty name="width" value="0.05" units="cm"/>
+      <inkml:brushProperty name="height" value="0.05" units="cm"/>
+      <inkml:brushProperty name="color" value="#004F8B"/>
+      <inkml:brushProperty name="ignorePressure" value="1"/>
+    </inkml:brush>
+  </inkml:definitions>
+  <inkml:trace contextRef="#ctx0" brushRef="#br0">1 1</inkml:trace>
+</inkml:ink>
+</file>
+
+<file path=ppt/ink/ink6.xml><?xml version="1.0" encoding="utf-8"?>
+<inkml:ink xmlns:inkml="http://www.w3.org/2003/InkML">
+  <inkml:definitions>
+    <inkml:context xml:id="ctx0">
+      <inkml:inkSource xml:id="inkSrc0">
+        <inkml:traceFormat>
+          <inkml:channel name="X" type="integer" min="-2.14748E9" max="2.14748E9" units="cm"/>
+          <inkml:channel name="Y" type="integer" min="-2.14748E9" max="2.14748E9" units="cm"/>
+        </inkml:traceFormat>
+        <inkml:channelProperties>
+          <inkml:channelProperty channel="X" name="resolution" value="1000" units="1/cm"/>
+          <inkml:channelProperty channel="Y" name="resolution" value="1000" units="1/cm"/>
+        </inkml:channelProperties>
+      </inkml:inkSource>
+      <inkml:timestamp xml:id="ts0" timeString="2021-01-16T14:40:30.430"/>
+    </inkml:context>
+    <inkml:brush xml:id="br0">
+      <inkml:brushProperty name="width" value="0.05" units="cm"/>
+      <inkml:brushProperty name="height" value="0.05" units="cm"/>
+      <inkml:brushProperty name="color" value="#004F8B"/>
+      <inkml:brushProperty name="ignorePressure" value="1"/>
+    </inkml:brush>
+  </inkml:definitions>
+  <inkml:trace contextRef="#ctx0" brushRef="#br0">0 0</inkml:trace>
+</inkml:ink>
 </file>
 
 <file path=ppt/slideLayouts/slideLayout1.xml><?xml version="1.0" encoding="utf-8"?>
@@ -171,10 +333,9 @@
           <a:lstStyle/>
           <a:p>
             <a:r>
-              <a:rPr lang="en-US" smtClean="0"/>
+              <a:rPr lang="en-US"/>
               <a:t>Click to edit Master title style</a:t>
             </a:r>
-            <a:endParaRPr lang="en-US"/>
           </a:p>
         </p:txBody>
       </p:sp>
@@ -290,10 +451,9 @@
           </a:lstStyle>
           <a:p>
             <a:r>
-              <a:rPr lang="en-US" smtClean="0"/>
+              <a:rPr lang="en-US"/>
               <a:t>Click to edit Master subtitle style</a:t>
             </a:r>
-            <a:endParaRPr lang="en-US"/>
           </a:p>
         </p:txBody>
       </p:sp>
@@ -315,7 +475,7 @@
             <a:fld id="{B19B2187-D8E3-4C62-8B45-6FA3136E36E4}" type="datetimeFigureOut">
               <a:rPr lang="en-US" smtClean="0"/>
               <a:pPr/>
-              <a:t>9/13/2020</a:t>
+              <a:t>1/16/2021</a:t>
             </a:fld>
             <a:endParaRPr lang="en-US"/>
           </a:p>
@@ -405,10 +565,9 @@
           <a:lstStyle/>
           <a:p>
             <a:r>
-              <a:rPr lang="en-US" smtClean="0"/>
+              <a:rPr lang="en-US"/>
               <a:t>Click to edit Master title style</a:t>
             </a:r>
-            <a:endParaRPr lang="en-US"/>
           </a:p>
         </p:txBody>
       </p:sp>
@@ -429,38 +588,37 @@
           <a:p>
             <a:pPr lvl="0"/>
             <a:r>
-              <a:rPr lang="en-US" smtClean="0"/>
+              <a:rPr lang="en-US"/>
               <a:t>Click to edit Master text styles</a:t>
             </a:r>
           </a:p>
           <a:p>
             <a:pPr lvl="1"/>
             <a:r>
-              <a:rPr lang="en-US" smtClean="0"/>
+              <a:rPr lang="en-US"/>
               <a:t>Second level</a:t>
             </a:r>
           </a:p>
           <a:p>
             <a:pPr lvl="2"/>
             <a:r>
-              <a:rPr lang="en-US" smtClean="0"/>
+              <a:rPr lang="en-US"/>
               <a:t>Third level</a:t>
             </a:r>
           </a:p>
           <a:p>
             <a:pPr lvl="3"/>
             <a:r>
-              <a:rPr lang="en-US" smtClean="0"/>
+              <a:rPr lang="en-US"/>
               <a:t>Fourth level</a:t>
             </a:r>
           </a:p>
           <a:p>
             <a:pPr lvl="4"/>
             <a:r>
-              <a:rPr lang="en-US" smtClean="0"/>
+              <a:rPr lang="en-US"/>
               <a:t>Fifth level</a:t>
             </a:r>
-            <a:endParaRPr lang="en-US"/>
           </a:p>
         </p:txBody>
       </p:sp>
@@ -482,7 +640,7 @@
             <a:fld id="{B19B2187-D8E3-4C62-8B45-6FA3136E36E4}" type="datetimeFigureOut">
               <a:rPr lang="en-US" smtClean="0"/>
               <a:pPr/>
-              <a:t>9/13/2020</a:t>
+              <a:t>1/16/2021</a:t>
             </a:fld>
             <a:endParaRPr lang="en-US"/>
           </a:p>
@@ -577,10 +735,9 @@
           <a:lstStyle/>
           <a:p>
             <a:r>
-              <a:rPr lang="en-US" smtClean="0"/>
+              <a:rPr lang="en-US"/>
               <a:t>Click to edit Master title style</a:t>
             </a:r>
-            <a:endParaRPr lang="en-US"/>
           </a:p>
         </p:txBody>
       </p:sp>
@@ -606,38 +763,37 @@
           <a:p>
             <a:pPr lvl="0"/>
             <a:r>
-              <a:rPr lang="en-US" smtClean="0"/>
+              <a:rPr lang="en-US"/>
               <a:t>Click to edit Master text styles</a:t>
             </a:r>
           </a:p>
           <a:p>
             <a:pPr lvl="1"/>
             <a:r>
-              <a:rPr lang="en-US" smtClean="0"/>
+              <a:rPr lang="en-US"/>
               <a:t>Second level</a:t>
             </a:r>
           </a:p>
           <a:p>
             <a:pPr lvl="2"/>
             <a:r>
-              <a:rPr lang="en-US" smtClean="0"/>
+              <a:rPr lang="en-US"/>
               <a:t>Third level</a:t>
             </a:r>
           </a:p>
           <a:p>
             <a:pPr lvl="3"/>
             <a:r>
-              <a:rPr lang="en-US" smtClean="0"/>
+              <a:rPr lang="en-US"/>
               <a:t>Fourth level</a:t>
             </a:r>
           </a:p>
           <a:p>
             <a:pPr lvl="4"/>
             <a:r>
-              <a:rPr lang="en-US" smtClean="0"/>
+              <a:rPr lang="en-US"/>
               <a:t>Fifth level</a:t>
             </a:r>
-            <a:endParaRPr lang="en-US"/>
           </a:p>
         </p:txBody>
       </p:sp>
@@ -659,7 +815,7 @@
             <a:fld id="{B19B2187-D8E3-4C62-8B45-6FA3136E36E4}" type="datetimeFigureOut">
               <a:rPr lang="en-US" smtClean="0"/>
               <a:pPr/>
-              <a:t>9/13/2020</a:t>
+              <a:t>1/16/2021</a:t>
             </a:fld>
             <a:endParaRPr lang="en-US"/>
           </a:p>
@@ -749,10 +905,9 @@
           <a:lstStyle/>
           <a:p>
             <a:r>
-              <a:rPr lang="en-US" smtClean="0"/>
+              <a:rPr lang="en-US"/>
               <a:t>Click to edit Master title style</a:t>
             </a:r>
-            <a:endParaRPr lang="en-US"/>
           </a:p>
         </p:txBody>
       </p:sp>
@@ -773,38 +928,37 @@
           <a:p>
             <a:pPr lvl="0"/>
             <a:r>
-              <a:rPr lang="en-US" smtClean="0"/>
+              <a:rPr lang="en-US"/>
               <a:t>Click to edit Master text styles</a:t>
             </a:r>
           </a:p>
           <a:p>
             <a:pPr lvl="1"/>
             <a:r>
-              <a:rPr lang="en-US" smtClean="0"/>
+              <a:rPr lang="en-US"/>
               <a:t>Second level</a:t>
             </a:r>
           </a:p>
           <a:p>
             <a:pPr lvl="2"/>
             <a:r>
-              <a:rPr lang="en-US" smtClean="0"/>
+              <a:rPr lang="en-US"/>
               <a:t>Third level</a:t>
             </a:r>
           </a:p>
           <a:p>
             <a:pPr lvl="3"/>
             <a:r>
-              <a:rPr lang="en-US" smtClean="0"/>
+              <a:rPr lang="en-US"/>
               <a:t>Fourth level</a:t>
             </a:r>
           </a:p>
           <a:p>
             <a:pPr lvl="4"/>
             <a:r>
-              <a:rPr lang="en-US" smtClean="0"/>
+              <a:rPr lang="en-US"/>
               <a:t>Fifth level</a:t>
             </a:r>
-            <a:endParaRPr lang="en-US"/>
           </a:p>
         </p:txBody>
       </p:sp>
@@ -826,7 +980,7 @@
             <a:fld id="{B19B2187-D8E3-4C62-8B45-6FA3136E36E4}" type="datetimeFigureOut">
               <a:rPr lang="en-US" smtClean="0"/>
               <a:pPr/>
-              <a:t>9/13/2020</a:t>
+              <a:t>1/16/2021</a:t>
             </a:fld>
             <a:endParaRPr lang="en-US"/>
           </a:p>
@@ -925,10 +1079,9 @@
           </a:lstStyle>
           <a:p>
             <a:r>
-              <a:rPr lang="en-US" smtClean="0"/>
+              <a:rPr lang="en-US"/>
               <a:t>Click to edit Master title style</a:t>
             </a:r>
-            <a:endParaRPr lang="en-US"/>
           </a:p>
         </p:txBody>
       </p:sp>
@@ -1045,7 +1198,7 @@
           <a:p>
             <a:pPr lvl="0"/>
             <a:r>
-              <a:rPr lang="en-US" smtClean="0"/>
+              <a:rPr lang="en-US"/>
               <a:t>Click to edit Master text styles</a:t>
             </a:r>
           </a:p>
@@ -1069,7 +1222,7 @@
             <a:fld id="{B19B2187-D8E3-4C62-8B45-6FA3136E36E4}" type="datetimeFigureOut">
               <a:rPr lang="en-US" smtClean="0"/>
               <a:pPr/>
-              <a:t>9/13/2020</a:t>
+              <a:t>1/16/2021</a:t>
             </a:fld>
             <a:endParaRPr lang="en-US"/>
           </a:p>
@@ -1159,10 +1312,9 @@
           <a:lstStyle/>
           <a:p>
             <a:r>
-              <a:rPr lang="en-US" smtClean="0"/>
+              <a:rPr lang="en-US"/>
               <a:t>Click to edit Master title style</a:t>
             </a:r>
-            <a:endParaRPr lang="en-US"/>
           </a:p>
         </p:txBody>
       </p:sp>
@@ -1216,38 +1368,37 @@
           <a:p>
             <a:pPr lvl="0"/>
             <a:r>
-              <a:rPr lang="en-US" smtClean="0"/>
+              <a:rPr lang="en-US"/>
               <a:t>Click to edit Master text styles</a:t>
             </a:r>
           </a:p>
           <a:p>
             <a:pPr lvl="1"/>
             <a:r>
-              <a:rPr lang="en-US" smtClean="0"/>
+              <a:rPr lang="en-US"/>
               <a:t>Second level</a:t>
             </a:r>
           </a:p>
           <a:p>
             <a:pPr lvl="2"/>
             <a:r>
-              <a:rPr lang="en-US" smtClean="0"/>
+              <a:rPr lang="en-US"/>
               <a:t>Third level</a:t>
             </a:r>
           </a:p>
           <a:p>
             <a:pPr lvl="3"/>
             <a:r>
-              <a:rPr lang="en-US" smtClean="0"/>
+              <a:rPr lang="en-US"/>
               <a:t>Fourth level</a:t>
             </a:r>
           </a:p>
           <a:p>
             <a:pPr lvl="4"/>
             <a:r>
-              <a:rPr lang="en-US" smtClean="0"/>
+              <a:rPr lang="en-US"/>
               <a:t>Fifth level</a:t>
             </a:r>
-            <a:endParaRPr lang="en-US"/>
           </a:p>
         </p:txBody>
       </p:sp>
@@ -1301,38 +1452,37 @@
           <a:p>
             <a:pPr lvl="0"/>
             <a:r>
-              <a:rPr lang="en-US" smtClean="0"/>
+              <a:rPr lang="en-US"/>
               <a:t>Click to edit Master text styles</a:t>
             </a:r>
           </a:p>
           <a:p>
             <a:pPr lvl="1"/>
             <a:r>
-              <a:rPr lang="en-US" smtClean="0"/>
+              <a:rPr lang="en-US"/>
               <a:t>Second level</a:t>
             </a:r>
           </a:p>
           <a:p>
             <a:pPr lvl="2"/>
             <a:r>
-              <a:rPr lang="en-US" smtClean="0"/>
+              <a:rPr lang="en-US"/>
               <a:t>Third level</a:t>
             </a:r>
           </a:p>
           <a:p>
             <a:pPr lvl="3"/>
             <a:r>
-              <a:rPr lang="en-US" smtClean="0"/>
+              <a:rPr lang="en-US"/>
               <a:t>Fourth level</a:t>
             </a:r>
           </a:p>
           <a:p>
             <a:pPr lvl="4"/>
             <a:r>
-              <a:rPr lang="en-US" smtClean="0"/>
+              <a:rPr lang="en-US"/>
               <a:t>Fifth level</a:t>
             </a:r>
-            <a:endParaRPr lang="en-US"/>
           </a:p>
         </p:txBody>
       </p:sp>
@@ -1354,7 +1504,7 @@
             <a:fld id="{B19B2187-D8E3-4C62-8B45-6FA3136E36E4}" type="datetimeFigureOut">
               <a:rPr lang="en-US" smtClean="0"/>
               <a:pPr/>
-              <a:t>9/13/2020</a:t>
+              <a:t>1/16/2021</a:t>
             </a:fld>
             <a:endParaRPr lang="en-US"/>
           </a:p>
@@ -1448,10 +1598,9 @@
           </a:lstStyle>
           <a:p>
             <a:r>
-              <a:rPr lang="en-US" smtClean="0"/>
+              <a:rPr lang="en-US"/>
               <a:t>Click to edit Master title style</a:t>
             </a:r>
-            <a:endParaRPr lang="en-US"/>
           </a:p>
         </p:txBody>
       </p:sp>
@@ -1514,7 +1663,7 @@
           <a:p>
             <a:pPr lvl="0"/>
             <a:r>
-              <a:rPr lang="en-US" smtClean="0"/>
+              <a:rPr lang="en-US"/>
               <a:t>Click to edit Master text styles</a:t>
             </a:r>
           </a:p>
@@ -1570,38 +1719,37 @@
           <a:p>
             <a:pPr lvl="0"/>
             <a:r>
-              <a:rPr lang="en-US" smtClean="0"/>
+              <a:rPr lang="en-US"/>
               <a:t>Click to edit Master text styles</a:t>
             </a:r>
           </a:p>
           <a:p>
             <a:pPr lvl="1"/>
             <a:r>
-              <a:rPr lang="en-US" smtClean="0"/>
+              <a:rPr lang="en-US"/>
               <a:t>Second level</a:t>
             </a:r>
           </a:p>
           <a:p>
             <a:pPr lvl="2"/>
             <a:r>
-              <a:rPr lang="en-US" smtClean="0"/>
+              <a:rPr lang="en-US"/>
               <a:t>Third level</a:t>
             </a:r>
           </a:p>
           <a:p>
             <a:pPr lvl="3"/>
             <a:r>
-              <a:rPr lang="en-US" smtClean="0"/>
+              <a:rPr lang="en-US"/>
               <a:t>Fourth level</a:t>
             </a:r>
           </a:p>
           <a:p>
             <a:pPr lvl="4"/>
             <a:r>
-              <a:rPr lang="en-US" smtClean="0"/>
+              <a:rPr lang="en-US"/>
               <a:t>Fifth level</a:t>
             </a:r>
-            <a:endParaRPr lang="en-US"/>
           </a:p>
         </p:txBody>
       </p:sp>
@@ -1664,7 +1812,7 @@
           <a:p>
             <a:pPr lvl="0"/>
             <a:r>
-              <a:rPr lang="en-US" smtClean="0"/>
+              <a:rPr lang="en-US"/>
               <a:t>Click to edit Master text styles</a:t>
             </a:r>
           </a:p>
@@ -1720,38 +1868,37 @@
           <a:p>
             <a:pPr lvl="0"/>
             <a:r>
-              <a:rPr lang="en-US" smtClean="0"/>
+              <a:rPr lang="en-US"/>
               <a:t>Click to edit Master text styles</a:t>
             </a:r>
           </a:p>
           <a:p>
             <a:pPr lvl="1"/>
             <a:r>
-              <a:rPr lang="en-US" smtClean="0"/>
+              <a:rPr lang="en-US"/>
               <a:t>Second level</a:t>
             </a:r>
           </a:p>
           <a:p>
             <a:pPr lvl="2"/>
             <a:r>
-              <a:rPr lang="en-US" smtClean="0"/>
+              <a:rPr lang="en-US"/>
               <a:t>Third level</a:t>
             </a:r>
           </a:p>
           <a:p>
             <a:pPr lvl="3"/>
             <a:r>
-              <a:rPr lang="en-US" smtClean="0"/>
+              <a:rPr lang="en-US"/>
               <a:t>Fourth level</a:t>
             </a:r>
           </a:p>
           <a:p>
             <a:pPr lvl="4"/>
             <a:r>
-              <a:rPr lang="en-US" smtClean="0"/>
+              <a:rPr lang="en-US"/>
               <a:t>Fifth level</a:t>
             </a:r>
-            <a:endParaRPr lang="en-US"/>
           </a:p>
         </p:txBody>
       </p:sp>
@@ -1773,7 +1920,7 @@
             <a:fld id="{B19B2187-D8E3-4C62-8B45-6FA3136E36E4}" type="datetimeFigureOut">
               <a:rPr lang="en-US" smtClean="0"/>
               <a:pPr/>
-              <a:t>9/13/2020</a:t>
+              <a:t>1/16/2021</a:t>
             </a:fld>
             <a:endParaRPr lang="en-US"/>
           </a:p>
@@ -1863,10 +2010,9 @@
           <a:lstStyle/>
           <a:p>
             <a:r>
-              <a:rPr lang="en-US" smtClean="0"/>
+              <a:rPr lang="en-US"/>
               <a:t>Click to edit Master title style</a:t>
             </a:r>
-            <a:endParaRPr lang="en-US"/>
           </a:p>
         </p:txBody>
       </p:sp>
@@ -1888,7 +2034,7 @@
             <a:fld id="{B19B2187-D8E3-4C62-8B45-6FA3136E36E4}" type="datetimeFigureOut">
               <a:rPr lang="en-US" smtClean="0"/>
               <a:pPr/>
-              <a:t>9/13/2020</a:t>
+              <a:t>1/16/2021</a:t>
             </a:fld>
             <a:endParaRPr lang="en-US"/>
           </a:p>
@@ -1980,7 +2126,7 @@
             <a:fld id="{B19B2187-D8E3-4C62-8B45-6FA3136E36E4}" type="datetimeFigureOut">
               <a:rPr lang="en-US" smtClean="0"/>
               <a:pPr/>
-              <a:t>9/13/2020</a:t>
+              <a:t>1/16/2021</a:t>
             </a:fld>
             <a:endParaRPr lang="en-US"/>
           </a:p>
@@ -2079,10 +2225,9 @@
           </a:lstStyle>
           <a:p>
             <a:r>
-              <a:rPr lang="en-US" smtClean="0"/>
+              <a:rPr lang="en-US"/>
               <a:t>Click to edit Master title style</a:t>
             </a:r>
-            <a:endParaRPr lang="en-US"/>
           </a:p>
         </p:txBody>
       </p:sp>
@@ -2136,38 +2281,37 @@
           <a:p>
             <a:pPr lvl="0"/>
             <a:r>
-              <a:rPr lang="en-US" smtClean="0"/>
+              <a:rPr lang="en-US"/>
               <a:t>Click to edit Master text styles</a:t>
             </a:r>
           </a:p>
           <a:p>
             <a:pPr lvl="1"/>
             <a:r>
-              <a:rPr lang="en-US" smtClean="0"/>
+              <a:rPr lang="en-US"/>
               <a:t>Second level</a:t>
             </a:r>
           </a:p>
           <a:p>
             <a:pPr lvl="2"/>
             <a:r>
-              <a:rPr lang="en-US" smtClean="0"/>
+              <a:rPr lang="en-US"/>
               <a:t>Third level</a:t>
             </a:r>
           </a:p>
           <a:p>
             <a:pPr lvl="3"/>
             <a:r>
-              <a:rPr lang="en-US" smtClean="0"/>
+              <a:rPr lang="en-US"/>
               <a:t>Fourth level</a:t>
             </a:r>
           </a:p>
           <a:p>
             <a:pPr lvl="4"/>
             <a:r>
-              <a:rPr lang="en-US" smtClean="0"/>
+              <a:rPr lang="en-US"/>
               <a:t>Fifth level</a:t>
             </a:r>
-            <a:endParaRPr lang="en-US"/>
           </a:p>
         </p:txBody>
       </p:sp>
@@ -2230,7 +2374,7 @@
           <a:p>
             <a:pPr lvl="0"/>
             <a:r>
-              <a:rPr lang="en-US" smtClean="0"/>
+              <a:rPr lang="en-US"/>
               <a:t>Click to edit Master text styles</a:t>
             </a:r>
           </a:p>
@@ -2254,7 +2398,7 @@
             <a:fld id="{B19B2187-D8E3-4C62-8B45-6FA3136E36E4}" type="datetimeFigureOut">
               <a:rPr lang="en-US" smtClean="0"/>
               <a:pPr/>
-              <a:t>9/13/2020</a:t>
+              <a:t>1/16/2021</a:t>
             </a:fld>
             <a:endParaRPr lang="en-US"/>
           </a:p>
@@ -2353,10 +2497,9 @@
           </a:lstStyle>
           <a:p>
             <a:r>
-              <a:rPr lang="en-US" smtClean="0"/>
+              <a:rPr lang="en-US"/>
               <a:t>Click to edit Master title style</a:t>
             </a:r>
-            <a:endParaRPr lang="en-US"/>
           </a:p>
         </p:txBody>
       </p:sp>
@@ -2480,7 +2623,7 @@
           <a:p>
             <a:pPr lvl="0"/>
             <a:r>
-              <a:rPr lang="en-US" smtClean="0"/>
+              <a:rPr lang="en-US"/>
               <a:t>Click to edit Master text styles</a:t>
             </a:r>
           </a:p>
@@ -2504,7 +2647,7 @@
             <a:fld id="{B19B2187-D8E3-4C62-8B45-6FA3136E36E4}" type="datetimeFigureOut">
               <a:rPr lang="en-US" smtClean="0"/>
               <a:pPr/>
-              <a:t>9/13/2020</a:t>
+              <a:t>1/16/2021</a:t>
             </a:fld>
             <a:endParaRPr lang="en-US"/>
           </a:p>
@@ -2609,10 +2752,9 @@
           <a:lstStyle/>
           <a:p>
             <a:r>
-              <a:rPr lang="en-US" smtClean="0"/>
+              <a:rPr lang="en-US"/>
               <a:t>Click to edit Master title style</a:t>
             </a:r>
-            <a:endParaRPr lang="en-US"/>
           </a:p>
         </p:txBody>
       </p:sp>
@@ -2643,38 +2785,37 @@
           <a:p>
             <a:pPr lvl="0"/>
             <a:r>
-              <a:rPr lang="en-US" smtClean="0"/>
+              <a:rPr lang="en-US"/>
               <a:t>Click to edit Master text styles</a:t>
             </a:r>
           </a:p>
           <a:p>
             <a:pPr lvl="1"/>
             <a:r>
-              <a:rPr lang="en-US" smtClean="0"/>
+              <a:rPr lang="en-US"/>
               <a:t>Second level</a:t>
             </a:r>
           </a:p>
           <a:p>
             <a:pPr lvl="2"/>
             <a:r>
-              <a:rPr lang="en-US" smtClean="0"/>
+              <a:rPr lang="en-US"/>
               <a:t>Third level</a:t>
             </a:r>
           </a:p>
           <a:p>
             <a:pPr lvl="3"/>
             <a:r>
-              <a:rPr lang="en-US" smtClean="0"/>
+              <a:rPr lang="en-US"/>
               <a:t>Fourth level</a:t>
             </a:r>
           </a:p>
           <a:p>
             <a:pPr lvl="4"/>
             <a:r>
-              <a:rPr lang="en-US" smtClean="0"/>
+              <a:rPr lang="en-US"/>
               <a:t>Fifth level</a:t>
             </a:r>
-            <a:endParaRPr lang="en-US"/>
           </a:p>
         </p:txBody>
       </p:sp>
@@ -2714,7 +2855,7 @@
             <a:fld id="{B19B2187-D8E3-4C62-8B45-6FA3136E36E4}" type="datetimeFigureOut">
               <a:rPr lang="en-US" smtClean="0"/>
               <a:pPr/>
-              <a:t>9/13/2020</a:t>
+              <a:t>1/16/2021</a:t>
             </a:fld>
             <a:endParaRPr lang="en-US"/>
           </a:p>
@@ -3108,25 +3249,25 @@
           <a:lstStyle/>
           <a:p>
             <a:r>
-              <a:rPr lang="en-US" dirty="0" smtClean="0"/>
+              <a:rPr lang="en-US" dirty="0"/>
               <a:t>Virtual Memory  </a:t>
             </a:r>
             <a:br>
-              <a:rPr lang="en-US" dirty="0" smtClean="0"/>
+              <a:rPr lang="en-US" dirty="0"/>
             </a:br>
             <a:r>
-              <a:rPr lang="en-US" dirty="0" smtClean="0"/>
+              <a:rPr lang="en-US" dirty="0"/>
               <a:t>&amp;</a:t>
             </a:r>
             <a:br>
-              <a:rPr lang="en-US" dirty="0" smtClean="0"/>
+              <a:rPr lang="en-US" dirty="0"/>
             </a:br>
             <a:r>
-              <a:rPr lang="en-US" dirty="0" smtClean="0"/>
+              <a:rPr lang="en-US" dirty="0"/>
               <a:t>Replacement Algorithm</a:t>
             </a:r>
             <a:br>
-              <a:rPr lang="en-US" dirty="0" smtClean="0"/>
+              <a:rPr lang="en-US" dirty="0"/>
             </a:br>
             <a:endParaRPr lang="en-US" dirty="0"/>
           </a:p>
@@ -3137,13 +3278,6 @@
   <p:clrMapOvr>
     <a:masterClrMapping/>
   </p:clrMapOvr>
-  <p:timing>
-    <p:tnLst>
-      <p:par>
-        <p:cTn id="1" dur="indefinite" restart="never" nodeType="tmRoot"/>
-      </p:par>
-    </p:tnLst>
-  </p:timing>
 </p:sld>
 </file>
 
@@ -3180,10 +3314,9 @@
           <a:lstStyle/>
           <a:p>
             <a:r>
-              <a:rPr lang="en-US" dirty="0" smtClean="0"/>
+              <a:rPr lang="en-US" dirty="0"/>
               <a:t>Memory Portions</a:t>
             </a:r>
-            <a:endParaRPr lang="en-US" dirty="0"/>
           </a:p>
         </p:txBody>
       </p:sp>
@@ -3205,110 +3338,109 @@
           <a:lstStyle/>
           <a:p>
             <a:r>
-              <a:rPr lang="en-US" dirty="0" smtClean="0"/>
+              <a:rPr lang="en-US" dirty="0"/>
               <a:t>Key Characteristics – William Stallings</a:t>
             </a:r>
           </a:p>
           <a:p>
             <a:r>
-              <a:rPr lang="en-US" dirty="0" smtClean="0"/>
+              <a:rPr lang="en-US" dirty="0"/>
               <a:t>Main memory Organization (1-D,2-D,Static and dynamic RAM)–</a:t>
             </a:r>
             <a:r>
-              <a:rPr lang="en-US" dirty="0" err="1" smtClean="0"/>
+              <a:rPr lang="en-US" dirty="0" err="1"/>
               <a:t>hayes</a:t>
             </a:r>
             <a:r>
-              <a:rPr lang="en-US" dirty="0" smtClean="0"/>
+              <a:rPr lang="en-US" dirty="0"/>
               <a:t>[6], </a:t>
             </a:r>
             <a:r>
-              <a:rPr lang="en-US" dirty="0" err="1" smtClean="0"/>
+              <a:rPr lang="en-US" dirty="0" err="1"/>
               <a:t>ppt</a:t>
             </a:r>
             <a:r>
-              <a:rPr lang="en-US" dirty="0" smtClean="0"/>
+              <a:rPr lang="en-US" dirty="0"/>
               <a:t>, </a:t>
             </a:r>
             <a:r>
-              <a:rPr lang="en-US" dirty="0" err="1" smtClean="0"/>
+              <a:rPr lang="en-US" dirty="0" err="1"/>
               <a:t>william</a:t>
             </a:r>
             <a:r>
-              <a:rPr lang="en-US" dirty="0" smtClean="0"/>
+              <a:rPr lang="en-US" dirty="0"/>
               <a:t> Stallings.</a:t>
             </a:r>
           </a:p>
           <a:p>
             <a:r>
-              <a:rPr lang="en-US" dirty="0" smtClean="0"/>
+              <a:rPr lang="en-US" dirty="0"/>
               <a:t>Access methods – William Stallings</a:t>
             </a:r>
           </a:p>
           <a:p>
             <a:r>
-              <a:rPr lang="en-US" dirty="0" smtClean="0"/>
+              <a:rPr lang="en-US" dirty="0"/>
               <a:t>Design Problems – PPT, Morris </a:t>
             </a:r>
             <a:r>
-              <a:rPr lang="en-US" dirty="0" err="1" smtClean="0"/>
+              <a:rPr lang="en-US" dirty="0" err="1"/>
               <a:t>Mano</a:t>
             </a:r>
             <a:r>
-              <a:rPr lang="en-US" dirty="0" smtClean="0"/>
+              <a:rPr lang="en-US" dirty="0"/>
               <a:t>, Hayes</a:t>
             </a:r>
           </a:p>
           <a:p>
             <a:r>
-              <a:rPr lang="en-US" dirty="0" smtClean="0"/>
+              <a:rPr lang="en-US" dirty="0"/>
               <a:t>Memory Hierarchy – Morris </a:t>
             </a:r>
             <a:r>
-              <a:rPr lang="en-US" dirty="0" err="1" smtClean="0"/>
+              <a:rPr lang="en-US" dirty="0" err="1"/>
               <a:t>Mano</a:t>
             </a:r>
             <a:r>
-              <a:rPr lang="en-US" dirty="0" smtClean="0"/>
+              <a:rPr lang="en-US" dirty="0"/>
               <a:t>(12.1), Hayes (6.1)</a:t>
             </a:r>
           </a:p>
           <a:p>
             <a:r>
-              <a:rPr lang="en-US" dirty="0" smtClean="0"/>
+              <a:rPr lang="en-US" dirty="0"/>
               <a:t>Cache Memories –Morris </a:t>
             </a:r>
             <a:r>
-              <a:rPr lang="en-US" dirty="0" err="1" smtClean="0"/>
+              <a:rPr lang="en-US" dirty="0" err="1"/>
               <a:t>Mano</a:t>
             </a:r>
             <a:r>
-              <a:rPr lang="en-US" dirty="0" smtClean="0"/>
+              <a:rPr lang="en-US" dirty="0"/>
               <a:t> (12.5),PPT, William Stallings.</a:t>
             </a:r>
           </a:p>
           <a:p>
             <a:r>
-              <a:rPr lang="en-US" dirty="0" smtClean="0"/>
+              <a:rPr lang="en-US" dirty="0"/>
               <a:t>Virtual Memory and replacement </a:t>
             </a:r>
             <a:r>
-              <a:rPr lang="en-US" dirty="0" err="1" smtClean="0"/>
+              <a:rPr lang="en-US" dirty="0" err="1"/>
               <a:t>Alg</a:t>
             </a:r>
             <a:r>
-              <a:rPr lang="en-US" dirty="0" smtClean="0"/>
+              <a:rPr lang="en-US" dirty="0"/>
               <a:t> –Morris </a:t>
             </a:r>
             <a:r>
-              <a:rPr lang="en-US" dirty="0" err="1" smtClean="0"/>
+              <a:rPr lang="en-US" dirty="0" err="1"/>
               <a:t>Mano</a:t>
             </a:r>
             <a:r>
-              <a:rPr lang="en-US" dirty="0" smtClean="0"/>
+              <a:rPr lang="en-US" dirty="0"/>
               <a:t> (12.6)</a:t>
             </a:r>
-            <a:endParaRPr lang="en-US" dirty="0"/>
           </a:p>
         </p:txBody>
       </p:sp>
@@ -3317,13 +3449,6 @@
   <p:clrMapOvr>
     <a:masterClrMapping/>
   </p:clrMapOvr>
-  <p:timing>
-    <p:tnLst>
-      <p:par>
-        <p:cTn id="1" dur="indefinite" restart="never" nodeType="tmRoot"/>
-      </p:par>
-    </p:tnLst>
-  </p:timing>
 </p:sld>
 </file>
 
@@ -3360,10 +3485,9 @@
           <a:lstStyle/>
           <a:p>
             <a:r>
-              <a:rPr lang="en-US" dirty="0" smtClean="0"/>
+              <a:rPr lang="en-US" dirty="0"/>
               <a:t>Unit –II reference Materials</a:t>
             </a:r>
-            <a:endParaRPr lang="en-US" dirty="0"/>
           </a:p>
         </p:txBody>
       </p:sp>
@@ -3388,15 +3512,15 @@
               <a:buNone/>
             </a:pPr>
             <a:r>
-              <a:rPr lang="en-US" dirty="0" smtClean="0"/>
+              <a:rPr lang="en-US" dirty="0"/>
               <a:t>Hardware and software implementation of arithmetic unit for common arithmetic operations: addition, subtraction, multiplication, division( Fixed point and floating point) = Refer Morris </a:t>
             </a:r>
             <a:r>
-              <a:rPr lang="en-US" dirty="0" err="1" smtClean="0"/>
+              <a:rPr lang="en-US" dirty="0" err="1"/>
               <a:t>Mano</a:t>
             </a:r>
             <a:r>
-              <a:rPr lang="en-US" dirty="0" smtClean="0"/>
+              <a:rPr lang="en-US" dirty="0"/>
               <a:t> chapter 10.</a:t>
             </a:r>
           </a:p>
@@ -3405,7 +3529,7 @@
               <a:buNone/>
             </a:pPr>
             <a:r>
-              <a:rPr lang="en-US" dirty="0" smtClean="0"/>
+              <a:rPr lang="en-US" dirty="0"/>
               <a:t>Data Representation = ppt.</a:t>
             </a:r>
           </a:p>
@@ -3414,31 +3538,31 @@
               <a:buNone/>
             </a:pPr>
             <a:r>
-              <a:rPr lang="en-US" dirty="0" smtClean="0"/>
+              <a:rPr lang="en-US" dirty="0"/>
               <a:t>Representation of non-numeric data (character codes, graphical data) = </a:t>
             </a:r>
             <a:r>
-              <a:rPr lang="en-US" dirty="0" err="1" smtClean="0"/>
+              <a:rPr lang="en-US" dirty="0" err="1"/>
               <a:t>ppt</a:t>
             </a:r>
             <a:r>
-              <a:rPr lang="en-US" dirty="0" smtClean="0"/>
+              <a:rPr lang="en-US" dirty="0"/>
               <a:t>, </a:t>
             </a:r>
             <a:r>
-              <a:rPr lang="en-US" dirty="0" err="1" smtClean="0"/>
+              <a:rPr lang="en-US" dirty="0" err="1"/>
               <a:t>morris</a:t>
             </a:r>
             <a:r>
-              <a:rPr lang="en-US" dirty="0" smtClean="0"/>
+              <a:rPr lang="en-US" dirty="0"/>
               <a:t> </a:t>
             </a:r>
             <a:r>
-              <a:rPr lang="en-US" dirty="0" err="1" smtClean="0"/>
+              <a:rPr lang="en-US" dirty="0" err="1"/>
               <a:t>mano</a:t>
             </a:r>
             <a:r>
-              <a:rPr lang="en-US" dirty="0" smtClean="0"/>
+              <a:rPr lang="en-US" dirty="0"/>
               <a:t> pg:383</a:t>
             </a:r>
           </a:p>
@@ -3455,13 +3579,6 @@
   <p:clrMapOvr>
     <a:masterClrMapping/>
   </p:clrMapOvr>
-  <p:timing>
-    <p:tnLst>
-      <p:par>
-        <p:cTn id="1" dur="indefinite" restart="never" nodeType="tmRoot"/>
-      </p:par>
-    </p:tnLst>
-  </p:timing>
 </p:sld>
 </file>
 
@@ -3503,7 +3620,7 @@
           <a:lstStyle/>
           <a:p>
             <a:r>
-              <a:rPr lang="en-US" altLang="ko-KR" sz="2400" smtClean="0">
+              <a:rPr lang="en-US" altLang="ko-KR" sz="2400">
                 <a:solidFill>
                   <a:schemeClr val="tx1"/>
                 </a:solidFill>
@@ -6343,13 +6460,6 @@
     <a:masterClrMapping/>
   </p:clrMapOvr>
   <p:transition/>
-  <p:timing>
-    <p:tnLst>
-      <p:par>
-        <p:cTn id="1" dur="indefinite" restart="never" nodeType="tmRoot"/>
-      </p:par>
-    </p:tnLst>
-  </p:timing>
 </p:sld>
 </file>
 
@@ -6393,7 +6503,7 @@
           <a:lstStyle/>
           <a:p>
             <a:r>
-              <a:rPr lang="en-US" altLang="ko-KR" sz="2400" smtClean="0">
+              <a:rPr lang="en-US" altLang="ko-KR" sz="2400">
                 <a:solidFill>
                   <a:schemeClr val="tx1"/>
                 </a:solidFill>
@@ -12138,13 +12248,6 @@
     <a:masterClrMapping/>
   </p:clrMapOvr>
   <p:transition/>
-  <p:timing>
-    <p:tnLst>
-      <p:par>
-        <p:cTn id="1" dur="indefinite" restart="never" nodeType="tmRoot"/>
-      </p:par>
-    </p:tnLst>
-  </p:timing>
 </p:sld>
 </file>
 
@@ -12197,25 +12300,25 @@
           <a:lstStyle/>
           <a:p>
             <a:r>
-              <a:rPr lang="en-US" dirty="0" smtClean="0"/>
+              <a:rPr lang="en-US" dirty="0"/>
               <a:t>Memory Page table consist of Eight words ,one for each page.</a:t>
             </a:r>
           </a:p>
           <a:p>
             <a:r>
-              <a:rPr lang="en-US" dirty="0" smtClean="0"/>
+              <a:rPr lang="en-US" dirty="0"/>
               <a:t>The address in the page table denotes the Page number, and the content of the word gives the block number where the page is stored.</a:t>
             </a:r>
           </a:p>
           <a:p>
             <a:r>
-              <a:rPr lang="en-US" dirty="0" smtClean="0"/>
+              <a:rPr lang="en-US" dirty="0"/>
               <a:t>A presence bit indicates whether the page has been transferred from auxiliary memory in to main memory</a:t>
             </a:r>
           </a:p>
           <a:p>
             <a:r>
-              <a:rPr lang="en-US" dirty="0" smtClean="0"/>
+              <a:rPr lang="en-US" dirty="0"/>
               <a:t>If the page is not there call to the operating system  is then generated to fetch the required page from auxiliary memory to main memory</a:t>
             </a:r>
           </a:p>
@@ -12226,13 +12329,6 @@
   <p:clrMapOvr>
     <a:masterClrMapping/>
   </p:clrMapOvr>
-  <p:timing>
-    <p:tnLst>
-      <p:par>
-        <p:cTn id="1" dur="indefinite" restart="never" nodeType="tmRoot"/>
-      </p:par>
-    </p:tnLst>
-  </p:timing>
 </p:sld>
 </file>
 
@@ -12276,7 +12372,7 @@
           <a:lstStyle/>
           <a:p>
             <a:r>
-              <a:rPr lang="en-US" altLang="ko-KR" sz="2400" smtClean="0">
+              <a:rPr lang="en-US" altLang="ko-KR" sz="2400">
                 <a:solidFill>
                   <a:schemeClr val="tx1"/>
                 </a:solidFill>
@@ -12398,13 +12494,8 @@
             </a:pPr>
             <a:r>
               <a:rPr lang="en-US" altLang="ko-KR" sz="1800" dirty="0"/>
-              <a:t>      - Straight forward design -&gt; n entry table in </a:t>
-            </a:r>
-            <a:r>
-              <a:rPr lang="en-US" altLang="ko-KR" sz="1800" dirty="0" smtClean="0"/>
-              <a:t>memory </a:t>
-            </a:r>
-            <a:endParaRPr lang="en-US" altLang="ko-KR" sz="1800" dirty="0"/>
+              <a:t>      - Straight forward design -&gt; n entry table in memory </a:t>
+            </a:r>
           </a:p>
           <a:p>
             <a:pPr defTabSz="762000" eaLnBrk="0" hangingPunct="0">
@@ -12466,15 +12557,7 @@
             </a:pPr>
             <a:r>
               <a:rPr lang="en-US" altLang="ko-KR" sz="1800" dirty="0"/>
-              <a:t>               m words; (Page Number</a:t>
-            </a:r>
-            <a:r>
-              <a:rPr lang="en-US" altLang="ko-KR" sz="1800" dirty="0" smtClean="0"/>
-              <a:t>: Block </a:t>
-            </a:r>
-            <a:r>
-              <a:rPr lang="en-US" altLang="ko-KR" sz="1800" dirty="0"/>
-              <a:t>Number)</a:t>
+              <a:t>               m words; (Page Number: Block Number)</a:t>
             </a:r>
           </a:p>
         </p:txBody>
@@ -12832,23 +12915,7 @@
                     <a:srgbClr val="000000"/>
                   </a:solidFill>
                 </a:rPr>
-                <a:t>1  </a:t>
-              </a:r>
-              <a:r>
-                <a:rPr lang="en-US" altLang="ko-KR" sz="1200" dirty="0" smtClean="0">
-                  <a:solidFill>
-                    <a:srgbClr val="000000"/>
-                  </a:solidFill>
-                </a:rPr>
-                <a:t>1  </a:t>
-              </a:r>
-              <a:r>
-                <a:rPr lang="en-US" altLang="ko-KR" sz="1200" dirty="0">
-                  <a:solidFill>
-                    <a:srgbClr val="000000"/>
-                  </a:solidFill>
-                </a:rPr>
-                <a:t>1      0  0</a:t>
+                <a:t>1  1  1      0  0</a:t>
               </a:r>
             </a:p>
           </p:txBody>
@@ -14493,13 +14560,6 @@
     <a:masterClrMapping/>
   </p:clrMapOvr>
   <p:transition/>
-  <p:timing>
-    <p:tnLst>
-      <p:par>
-        <p:cTn id="1" dur="indefinite" restart="never" nodeType="tmRoot"/>
-      </p:par>
-    </p:tnLst>
-  </p:timing>
 </p:sld>
 </file>
 
@@ -14541,7 +14601,7 @@
           <a:lstStyle/>
           <a:p>
             <a:r>
-              <a:rPr lang="en-US" altLang="ko-KR" sz="2400" dirty="0" smtClean="0">
+              <a:rPr lang="en-US" altLang="ko-KR" sz="2400" dirty="0">
                 <a:solidFill>
                   <a:schemeClr val="tx1"/>
                 </a:solidFill>
@@ -14776,18 +14836,13 @@
               </a:lnSpc>
             </a:pPr>
             <a:r>
-              <a:rPr lang="en-US" altLang="ko-KR" sz="1200" dirty="0" smtClean="0">
+              <a:rPr lang="en-US" altLang="ko-KR" sz="1200" dirty="0">
                 <a:solidFill>
                   <a:srgbClr val="000000"/>
                 </a:solidFill>
               </a:rPr>
               <a:t>    7       0</a:t>
             </a:r>
-            <a:endParaRPr lang="en-US" altLang="ko-KR" sz="1200" dirty="0">
-              <a:solidFill>
-                <a:srgbClr val="000000"/>
-              </a:solidFill>
-            </a:endParaRPr>
           </a:p>
         </p:txBody>
       </p:sp>
@@ -14982,18 +15037,13 @@
               </a:lnSpc>
             </a:pPr>
             <a:r>
-              <a:rPr lang="en-US" altLang="ko-KR" sz="1200" dirty="0" smtClean="0">
+              <a:rPr lang="en-US" altLang="ko-KR" sz="1200" dirty="0">
                 <a:solidFill>
                   <a:srgbClr val="000000"/>
                 </a:solidFill>
               </a:rPr>
               <a:t>       1</a:t>
             </a:r>
-            <a:endParaRPr lang="en-US" altLang="ko-KR" sz="1200" dirty="0">
-              <a:solidFill>
-                <a:srgbClr val="000000"/>
-              </a:solidFill>
-            </a:endParaRPr>
           </a:p>
         </p:txBody>
       </p:sp>
@@ -15079,18 +15129,13 @@
               </a:lnSpc>
             </a:pPr>
             <a:r>
-              <a:rPr lang="en-US" altLang="ko-KR" sz="1200" dirty="0" smtClean="0">
+              <a:rPr lang="en-US" altLang="ko-KR" sz="1200" dirty="0">
                 <a:solidFill>
                   <a:srgbClr val="000000"/>
                 </a:solidFill>
               </a:rPr>
               <a:t>        2</a:t>
             </a:r>
-            <a:endParaRPr lang="en-US" altLang="ko-KR" sz="1200" dirty="0">
-              <a:solidFill>
-                <a:srgbClr val="000000"/>
-              </a:solidFill>
-            </a:endParaRPr>
           </a:p>
         </p:txBody>
       </p:sp>
@@ -15130,18 +15175,13 @@
               </a:lnSpc>
             </a:pPr>
             <a:r>
-              <a:rPr lang="en-US" altLang="ko-KR" sz="1200" dirty="0" smtClean="0">
+              <a:rPr lang="en-US" altLang="ko-KR" sz="1200" dirty="0">
                 <a:solidFill>
                   <a:srgbClr val="000000"/>
                 </a:solidFill>
               </a:rPr>
               <a:t>     0</a:t>
             </a:r>
-            <a:endParaRPr lang="en-US" altLang="ko-KR" sz="1200" dirty="0">
-              <a:solidFill>
-                <a:srgbClr val="000000"/>
-              </a:solidFill>
-            </a:endParaRPr>
           </a:p>
         </p:txBody>
       </p:sp>
@@ -15181,18 +15221,13 @@
               </a:lnSpc>
             </a:pPr>
             <a:r>
-              <a:rPr lang="en-US" altLang="ko-KR" sz="1200" dirty="0" smtClean="0">
+              <a:rPr lang="en-US" altLang="ko-KR" sz="1200" dirty="0">
                 <a:solidFill>
                   <a:srgbClr val="000000"/>
                 </a:solidFill>
               </a:rPr>
               <a:t>       3</a:t>
             </a:r>
-            <a:endParaRPr lang="en-US" altLang="ko-KR" sz="1200" dirty="0">
-              <a:solidFill>
-                <a:srgbClr val="000000"/>
-              </a:solidFill>
-            </a:endParaRPr>
           </a:p>
         </p:txBody>
       </p:sp>
@@ -15232,18 +15267,13 @@
               </a:lnSpc>
             </a:pPr>
             <a:r>
-              <a:rPr lang="en-US" altLang="ko-KR" sz="1200" dirty="0" smtClean="0">
+              <a:rPr lang="en-US" altLang="ko-KR" sz="1200" dirty="0">
                 <a:solidFill>
                   <a:srgbClr val="000000"/>
                 </a:solidFill>
               </a:rPr>
               <a:t>       0</a:t>
             </a:r>
-            <a:endParaRPr lang="en-US" altLang="ko-KR" sz="1200" dirty="0">
-              <a:solidFill>
-                <a:srgbClr val="000000"/>
-              </a:solidFill>
-            </a:endParaRPr>
           </a:p>
         </p:txBody>
       </p:sp>
@@ -15283,18 +15313,13 @@
               </a:lnSpc>
             </a:pPr>
             <a:r>
-              <a:rPr lang="en-US" altLang="ko-KR" sz="1200" dirty="0" smtClean="0">
+              <a:rPr lang="en-US" altLang="ko-KR" sz="1200" dirty="0">
                 <a:solidFill>
                   <a:srgbClr val="000000"/>
                 </a:solidFill>
               </a:rPr>
               <a:t>       4</a:t>
             </a:r>
-            <a:endParaRPr lang="en-US" altLang="ko-KR" sz="1200" dirty="0">
-              <a:solidFill>
-                <a:srgbClr val="000000"/>
-              </a:solidFill>
-            </a:endParaRPr>
           </a:p>
         </p:txBody>
       </p:sp>
@@ -15334,18 +15359,13 @@
               </a:lnSpc>
             </a:pPr>
             <a:r>
-              <a:rPr lang="en-US" altLang="ko-KR" sz="1200" dirty="0" smtClean="0">
+              <a:rPr lang="en-US" altLang="ko-KR" sz="1200" dirty="0">
                 <a:solidFill>
                   <a:srgbClr val="000000"/>
                 </a:solidFill>
               </a:rPr>
               <a:t>       2</a:t>
             </a:r>
-            <a:endParaRPr lang="en-US" altLang="ko-KR" sz="1200" dirty="0">
-              <a:solidFill>
-                <a:srgbClr val="000000"/>
-              </a:solidFill>
-            </a:endParaRPr>
           </a:p>
         </p:txBody>
       </p:sp>
@@ -15385,18 +15405,13 @@
               </a:lnSpc>
             </a:pPr>
             <a:r>
-              <a:rPr lang="en-US" altLang="ko-KR" sz="1200" dirty="0" smtClean="0">
+              <a:rPr lang="en-US" altLang="ko-KR" sz="1200" dirty="0">
                 <a:solidFill>
                   <a:srgbClr val="000000"/>
                 </a:solidFill>
               </a:rPr>
               <a:t>       3</a:t>
             </a:r>
-            <a:endParaRPr lang="en-US" altLang="ko-KR" sz="1200" dirty="0">
-              <a:solidFill>
-                <a:srgbClr val="000000"/>
-              </a:solidFill>
-            </a:endParaRPr>
           </a:p>
         </p:txBody>
       </p:sp>
@@ -15436,18 +15451,13 @@
               </a:lnSpc>
             </a:pPr>
             <a:r>
-              <a:rPr lang="en-US" altLang="ko-KR" sz="1200" dirty="0" smtClean="0">
+              <a:rPr lang="en-US" altLang="ko-KR" sz="1200" dirty="0">
                 <a:solidFill>
                   <a:srgbClr val="000000"/>
                 </a:solidFill>
               </a:rPr>
               <a:t>       0</a:t>
             </a:r>
-            <a:endParaRPr lang="en-US" altLang="ko-KR" sz="1200" dirty="0">
-              <a:solidFill>
-                <a:srgbClr val="000000"/>
-              </a:solidFill>
-            </a:endParaRPr>
           </a:p>
         </p:txBody>
       </p:sp>
@@ -15487,18 +15497,13 @@
               </a:lnSpc>
             </a:pPr>
             <a:r>
-              <a:rPr lang="en-US" altLang="ko-KR" sz="1200" dirty="0" smtClean="0">
+              <a:rPr lang="en-US" altLang="ko-KR" sz="1200" dirty="0">
                 <a:solidFill>
                   <a:srgbClr val="000000"/>
                 </a:solidFill>
               </a:rPr>
               <a:t>      3</a:t>
             </a:r>
-            <a:endParaRPr lang="en-US" altLang="ko-KR" sz="1200" dirty="0">
-              <a:solidFill>
-                <a:srgbClr val="000000"/>
-              </a:solidFill>
-            </a:endParaRPr>
           </a:p>
         </p:txBody>
       </p:sp>
@@ -15538,18 +15543,13 @@
               </a:lnSpc>
             </a:pPr>
             <a:r>
-              <a:rPr lang="en-US" altLang="ko-KR" sz="1200" dirty="0" smtClean="0">
+              <a:rPr lang="en-US" altLang="ko-KR" sz="1200" dirty="0">
                 <a:solidFill>
                   <a:srgbClr val="000000"/>
                 </a:solidFill>
               </a:rPr>
               <a:t>   2</a:t>
             </a:r>
-            <a:endParaRPr lang="en-US" altLang="ko-KR" sz="1200" dirty="0">
-              <a:solidFill>
-                <a:srgbClr val="000000"/>
-              </a:solidFill>
-            </a:endParaRPr>
           </a:p>
         </p:txBody>
       </p:sp>
@@ -15589,18 +15589,13 @@
               </a:lnSpc>
             </a:pPr>
             <a:r>
-              <a:rPr lang="en-US" altLang="ko-KR" sz="1200" dirty="0" smtClean="0">
+              <a:rPr lang="en-US" altLang="ko-KR" sz="1200" dirty="0">
                 <a:solidFill>
                   <a:srgbClr val="000000"/>
                 </a:solidFill>
               </a:rPr>
               <a:t>       1     </a:t>
             </a:r>
-            <a:endParaRPr lang="en-US" altLang="ko-KR" sz="1200" dirty="0">
-              <a:solidFill>
-                <a:srgbClr val="000000"/>
-              </a:solidFill>
-            </a:endParaRPr>
           </a:p>
         </p:txBody>
       </p:sp>
@@ -15640,18 +15635,13 @@
               </a:lnSpc>
             </a:pPr>
             <a:r>
-              <a:rPr lang="en-US" altLang="ko-KR" sz="1200" dirty="0" smtClean="0">
+              <a:rPr lang="en-US" altLang="ko-KR" sz="1200" dirty="0">
                 <a:solidFill>
                   <a:srgbClr val="000000"/>
                 </a:solidFill>
               </a:rPr>
               <a:t>        2</a:t>
             </a:r>
-            <a:endParaRPr lang="en-US" altLang="ko-KR" sz="1200" dirty="0">
-              <a:solidFill>
-                <a:srgbClr val="000000"/>
-              </a:solidFill>
-            </a:endParaRPr>
           </a:p>
         </p:txBody>
       </p:sp>
@@ -15691,18 +15681,13 @@
               </a:lnSpc>
             </a:pPr>
             <a:r>
-              <a:rPr lang="en-US" altLang="ko-KR" sz="1200" dirty="0" smtClean="0">
+              <a:rPr lang="en-US" altLang="ko-KR" sz="1200" dirty="0">
                 <a:solidFill>
                   <a:srgbClr val="000000"/>
                 </a:solidFill>
               </a:rPr>
               <a:t>     0</a:t>
             </a:r>
-            <a:endParaRPr lang="en-US" altLang="ko-KR" sz="1200" dirty="0">
-              <a:solidFill>
-                <a:srgbClr val="000000"/>
-              </a:solidFill>
-            </a:endParaRPr>
           </a:p>
         </p:txBody>
       </p:sp>
@@ -15742,18 +15727,13 @@
               </a:lnSpc>
             </a:pPr>
             <a:r>
-              <a:rPr lang="en-US" altLang="ko-KR" sz="1200" dirty="0" smtClean="0">
+              <a:rPr lang="en-US" altLang="ko-KR" sz="1200" dirty="0">
                 <a:solidFill>
                   <a:srgbClr val="000000"/>
                 </a:solidFill>
               </a:rPr>
               <a:t>    1</a:t>
             </a:r>
-            <a:endParaRPr lang="en-US" altLang="ko-KR" sz="1200" dirty="0">
-              <a:solidFill>
-                <a:srgbClr val="000000"/>
-              </a:solidFill>
-            </a:endParaRPr>
           </a:p>
         </p:txBody>
       </p:sp>
@@ -15793,18 +15773,13 @@
               </a:lnSpc>
             </a:pPr>
             <a:r>
-              <a:rPr lang="en-US" altLang="ko-KR" sz="1200" dirty="0" smtClean="0">
+              <a:rPr lang="en-US" altLang="ko-KR" sz="1200" dirty="0">
                 <a:solidFill>
                   <a:srgbClr val="000000"/>
                 </a:solidFill>
               </a:rPr>
               <a:t>       7</a:t>
             </a:r>
-            <a:endParaRPr lang="en-US" altLang="ko-KR" sz="1200" dirty="0">
-              <a:solidFill>
-                <a:srgbClr val="000000"/>
-              </a:solidFill>
-            </a:endParaRPr>
           </a:p>
         </p:txBody>
       </p:sp>
@@ -15953,18 +15928,13 @@
               </a:lnSpc>
             </a:pPr>
             <a:r>
-              <a:rPr lang="en-US" altLang="ko-KR" sz="1200" dirty="0" smtClean="0">
+              <a:rPr lang="en-US" altLang="ko-KR" sz="1200" dirty="0">
                 <a:solidFill>
                   <a:srgbClr val="000000"/>
                 </a:solidFill>
               </a:rPr>
               <a:t>    7</a:t>
             </a:r>
-            <a:endParaRPr lang="en-US" altLang="ko-KR" sz="1200" dirty="0">
-              <a:solidFill>
-                <a:srgbClr val="000000"/>
-              </a:solidFill>
-            </a:endParaRPr>
           </a:p>
         </p:txBody>
       </p:sp>
@@ -16004,18 +15974,13 @@
               </a:lnSpc>
             </a:pPr>
             <a:r>
-              <a:rPr lang="en-US" altLang="ko-KR" sz="1200" dirty="0" smtClean="0">
+              <a:rPr lang="en-US" altLang="ko-KR" sz="1200" dirty="0">
                 <a:solidFill>
                   <a:srgbClr val="000000"/>
                 </a:solidFill>
               </a:rPr>
               <a:t>       0</a:t>
             </a:r>
-            <a:endParaRPr lang="en-US" altLang="ko-KR" sz="1200" dirty="0">
-              <a:solidFill>
-                <a:srgbClr val="000000"/>
-              </a:solidFill>
-            </a:endParaRPr>
           </a:p>
         </p:txBody>
       </p:sp>
@@ -16055,18 +16020,13 @@
               </a:lnSpc>
             </a:pPr>
             <a:r>
-              <a:rPr lang="en-US" altLang="ko-KR" sz="1200" dirty="0" smtClean="0">
+              <a:rPr lang="en-US" altLang="ko-KR" sz="1200" dirty="0">
                 <a:solidFill>
                   <a:srgbClr val="000000"/>
                 </a:solidFill>
               </a:rPr>
               <a:t>       1</a:t>
             </a:r>
-            <a:endParaRPr lang="en-US" altLang="ko-KR" sz="1200" dirty="0">
-              <a:solidFill>
-                <a:srgbClr val="000000"/>
-              </a:solidFill>
-            </a:endParaRPr>
           </a:p>
         </p:txBody>
       </p:sp>
@@ -19701,18 +19661,13 @@
               </a:lnSpc>
             </a:pPr>
             <a:r>
-              <a:rPr lang="en-US" altLang="ko-KR" sz="1200" dirty="0" smtClean="0">
+              <a:rPr lang="en-US" altLang="ko-KR" sz="1200" dirty="0">
                 <a:solidFill>
                   <a:srgbClr val="000000"/>
                 </a:solidFill>
               </a:rPr>
               <a:t>        0</a:t>
             </a:r>
-            <a:endParaRPr lang="en-US" altLang="ko-KR" sz="1200" dirty="0">
-              <a:solidFill>
-                <a:srgbClr val="000000"/>
-              </a:solidFill>
-            </a:endParaRPr>
           </a:p>
         </p:txBody>
       </p:sp>
@@ -19907,18 +19862,13 @@
               </a:lnSpc>
             </a:pPr>
             <a:r>
-              <a:rPr lang="en-US" altLang="ko-KR" sz="1200" dirty="0" smtClean="0">
+              <a:rPr lang="en-US" altLang="ko-KR" sz="1200" dirty="0">
                 <a:solidFill>
                   <a:srgbClr val="000000"/>
                 </a:solidFill>
               </a:rPr>
               <a:t>        1</a:t>
             </a:r>
-            <a:endParaRPr lang="en-US" altLang="ko-KR" sz="1200" dirty="0">
-              <a:solidFill>
-                <a:srgbClr val="000000"/>
-              </a:solidFill>
-            </a:endParaRPr>
           </a:p>
         </p:txBody>
       </p:sp>
@@ -20004,18 +19954,13 @@
               </a:lnSpc>
             </a:pPr>
             <a:r>
-              <a:rPr lang="en-US" altLang="ko-KR" sz="1200" dirty="0" smtClean="0">
+              <a:rPr lang="en-US" altLang="ko-KR" sz="1200" dirty="0">
                 <a:solidFill>
                   <a:srgbClr val="000000"/>
                 </a:solidFill>
               </a:rPr>
               <a:t>        2</a:t>
             </a:r>
-            <a:endParaRPr lang="en-US" altLang="ko-KR" sz="1200" dirty="0">
-              <a:solidFill>
-                <a:srgbClr val="000000"/>
-              </a:solidFill>
-            </a:endParaRPr>
           </a:p>
         </p:txBody>
       </p:sp>
@@ -20055,18 +20000,13 @@
               </a:lnSpc>
             </a:pPr>
             <a:r>
-              <a:rPr lang="en-US" altLang="ko-KR" sz="1200" dirty="0" smtClean="0">
+              <a:rPr lang="en-US" altLang="ko-KR" sz="1200" dirty="0">
                 <a:solidFill>
                   <a:srgbClr val="000000"/>
                 </a:solidFill>
               </a:rPr>
               <a:t>     0</a:t>
             </a:r>
-            <a:endParaRPr lang="en-US" altLang="ko-KR" sz="1200" dirty="0">
-              <a:solidFill>
-                <a:srgbClr val="000000"/>
-              </a:solidFill>
-            </a:endParaRPr>
           </a:p>
         </p:txBody>
       </p:sp>
@@ -20106,7 +20046,7 @@
               </a:lnSpc>
             </a:pPr>
             <a:r>
-              <a:rPr lang="en-US" altLang="ko-KR" sz="1200" dirty="0" smtClean="0">
+              <a:rPr lang="en-US" altLang="ko-KR" sz="1200" dirty="0">
                 <a:solidFill>
                   <a:srgbClr val="000000"/>
                 </a:solidFill>
@@ -20121,18 +20061,13 @@
               </a:lnSpc>
             </a:pPr>
             <a:r>
-              <a:rPr lang="en-US" altLang="ko-KR" sz="1200" dirty="0" smtClean="0">
+              <a:rPr lang="en-US" altLang="ko-KR" sz="1200" dirty="0">
                 <a:solidFill>
                   <a:srgbClr val="000000"/>
                 </a:solidFill>
               </a:rPr>
               <a:t>      </a:t>
             </a:r>
-            <a:endParaRPr lang="en-US" altLang="ko-KR" sz="1200" dirty="0">
-              <a:solidFill>
-                <a:srgbClr val="000000"/>
-              </a:solidFill>
-            </a:endParaRPr>
           </a:p>
         </p:txBody>
       </p:sp>
@@ -20172,18 +20107,13 @@
               </a:lnSpc>
             </a:pPr>
             <a:r>
-              <a:rPr lang="en-US" altLang="ko-KR" sz="1200" dirty="0" smtClean="0">
+              <a:rPr lang="en-US" altLang="ko-KR" sz="1200" dirty="0">
                 <a:solidFill>
                   <a:srgbClr val="000000"/>
                 </a:solidFill>
               </a:rPr>
               <a:t>       0</a:t>
             </a:r>
-            <a:endParaRPr lang="en-US" altLang="ko-KR" sz="1200" dirty="0">
-              <a:solidFill>
-                <a:srgbClr val="000000"/>
-              </a:solidFill>
-            </a:endParaRPr>
           </a:p>
         </p:txBody>
       </p:sp>
@@ -20223,18 +20153,13 @@
               </a:lnSpc>
             </a:pPr>
             <a:r>
-              <a:rPr lang="en-US" altLang="ko-KR" sz="1200" dirty="0" smtClean="0">
+              <a:rPr lang="en-US" altLang="ko-KR" sz="1200" dirty="0">
                 <a:solidFill>
                   <a:srgbClr val="000000"/>
                 </a:solidFill>
               </a:rPr>
               <a:t>       4</a:t>
             </a:r>
-            <a:endParaRPr lang="en-US" altLang="ko-KR" sz="1200" dirty="0">
-              <a:solidFill>
-                <a:srgbClr val="000000"/>
-              </a:solidFill>
-            </a:endParaRPr>
           </a:p>
         </p:txBody>
       </p:sp>
@@ -20274,18 +20199,13 @@
               </a:lnSpc>
             </a:pPr>
             <a:r>
-              <a:rPr lang="en-US" altLang="ko-KR" sz="1200" dirty="0" smtClean="0">
+              <a:rPr lang="en-US" altLang="ko-KR" sz="1200" dirty="0">
                 <a:solidFill>
                   <a:srgbClr val="000000"/>
                 </a:solidFill>
               </a:rPr>
               <a:t>    2     </a:t>
             </a:r>
-            <a:endParaRPr lang="en-US" altLang="ko-KR" sz="1200" dirty="0">
-              <a:solidFill>
-                <a:srgbClr val="000000"/>
-              </a:solidFill>
-            </a:endParaRPr>
           </a:p>
         </p:txBody>
       </p:sp>
@@ -20325,18 +20245,13 @@
               </a:lnSpc>
             </a:pPr>
             <a:r>
-              <a:rPr lang="en-US" altLang="ko-KR" sz="1200" dirty="0" smtClean="0">
+              <a:rPr lang="en-US" altLang="ko-KR" sz="1200" dirty="0">
                 <a:solidFill>
                   <a:srgbClr val="000000"/>
                 </a:solidFill>
               </a:rPr>
               <a:t>   3</a:t>
             </a:r>
-            <a:endParaRPr lang="en-US" altLang="ko-KR" sz="1200" dirty="0">
-              <a:solidFill>
-                <a:srgbClr val="000000"/>
-              </a:solidFill>
-            </a:endParaRPr>
           </a:p>
         </p:txBody>
       </p:sp>
@@ -20376,18 +20291,13 @@
               </a:lnSpc>
             </a:pPr>
             <a:r>
-              <a:rPr lang="en-US" altLang="ko-KR" sz="1200" dirty="0" smtClean="0">
+              <a:rPr lang="en-US" altLang="ko-KR" sz="1200" dirty="0">
                 <a:solidFill>
                   <a:srgbClr val="000000"/>
                 </a:solidFill>
               </a:rPr>
               <a:t>       0     </a:t>
             </a:r>
-            <a:endParaRPr lang="en-US" altLang="ko-KR" sz="1200" dirty="0">
-              <a:solidFill>
-                <a:srgbClr val="000000"/>
-              </a:solidFill>
-            </a:endParaRPr>
           </a:p>
         </p:txBody>
       </p:sp>
@@ -20427,18 +20337,13 @@
               </a:lnSpc>
             </a:pPr>
             <a:r>
-              <a:rPr lang="en-US" altLang="ko-KR" sz="1200" dirty="0" smtClean="0">
+              <a:rPr lang="en-US" altLang="ko-KR" sz="1200" dirty="0">
                 <a:solidFill>
                   <a:srgbClr val="000000"/>
                 </a:solidFill>
               </a:rPr>
               <a:t>      3</a:t>
             </a:r>
-            <a:endParaRPr lang="en-US" altLang="ko-KR" sz="1200" dirty="0">
-              <a:solidFill>
-                <a:srgbClr val="000000"/>
-              </a:solidFill>
-            </a:endParaRPr>
           </a:p>
         </p:txBody>
       </p:sp>
@@ -20478,18 +20383,13 @@
               </a:lnSpc>
             </a:pPr>
             <a:r>
-              <a:rPr lang="en-US" altLang="ko-KR" sz="1200" dirty="0" smtClean="0">
+              <a:rPr lang="en-US" altLang="ko-KR" sz="1200" dirty="0">
                 <a:solidFill>
                   <a:srgbClr val="000000"/>
                 </a:solidFill>
               </a:rPr>
               <a:t>     2 </a:t>
             </a:r>
-            <a:endParaRPr lang="en-US" altLang="ko-KR" sz="1200" dirty="0">
-              <a:solidFill>
-                <a:srgbClr val="000000"/>
-              </a:solidFill>
-            </a:endParaRPr>
           </a:p>
         </p:txBody>
       </p:sp>
@@ -20529,18 +20429,13 @@
               </a:lnSpc>
             </a:pPr>
             <a:r>
-              <a:rPr lang="en-US" altLang="ko-KR" sz="1200" dirty="0" smtClean="0">
+              <a:rPr lang="en-US" altLang="ko-KR" sz="1200" dirty="0">
                 <a:solidFill>
                   <a:srgbClr val="000000"/>
                 </a:solidFill>
               </a:rPr>
               <a:t>       1</a:t>
             </a:r>
-            <a:endParaRPr lang="en-US" altLang="ko-KR" sz="1200" dirty="0">
-              <a:solidFill>
-                <a:srgbClr val="000000"/>
-              </a:solidFill>
-            </a:endParaRPr>
           </a:p>
         </p:txBody>
       </p:sp>
@@ -20580,18 +20475,13 @@
               </a:lnSpc>
             </a:pPr>
             <a:r>
-              <a:rPr lang="en-US" altLang="ko-KR" sz="1200" dirty="0" smtClean="0">
+              <a:rPr lang="en-US" altLang="ko-KR" sz="1200" dirty="0">
                 <a:solidFill>
                   <a:srgbClr val="000000"/>
                 </a:solidFill>
               </a:rPr>
               <a:t>    2</a:t>
             </a:r>
-            <a:endParaRPr lang="en-US" altLang="ko-KR" sz="1200" dirty="0">
-              <a:solidFill>
-                <a:srgbClr val="000000"/>
-              </a:solidFill>
-            </a:endParaRPr>
           </a:p>
         </p:txBody>
       </p:sp>
@@ -20723,18 +20613,13 @@
               </a:lnSpc>
             </a:pPr>
             <a:r>
-              <a:rPr lang="en-US" altLang="ko-KR" sz="1200" dirty="0" smtClean="0">
+              <a:rPr lang="en-US" altLang="ko-KR" sz="1200" dirty="0">
                 <a:solidFill>
                   <a:srgbClr val="000000"/>
                 </a:solidFill>
               </a:rPr>
               <a:t>       7</a:t>
             </a:r>
-            <a:endParaRPr lang="en-US" altLang="ko-KR" sz="1200" dirty="0">
-              <a:solidFill>
-                <a:srgbClr val="000000"/>
-              </a:solidFill>
-            </a:endParaRPr>
           </a:p>
         </p:txBody>
       </p:sp>
@@ -20883,18 +20768,13 @@
               </a:lnSpc>
             </a:pPr>
             <a:r>
-              <a:rPr lang="en-US" altLang="ko-KR" sz="1200" dirty="0" smtClean="0">
+              <a:rPr lang="en-US" altLang="ko-KR" sz="1200" dirty="0">
                 <a:solidFill>
                   <a:srgbClr val="000000"/>
                 </a:solidFill>
               </a:rPr>
               <a:t>7</a:t>
             </a:r>
-            <a:endParaRPr lang="en-US" altLang="ko-KR" sz="1200" dirty="0">
-              <a:solidFill>
-                <a:srgbClr val="000000"/>
-              </a:solidFill>
-            </a:endParaRPr>
           </a:p>
         </p:txBody>
       </p:sp>
@@ -20934,18 +20814,13 @@
               </a:lnSpc>
             </a:pPr>
             <a:r>
-              <a:rPr lang="en-US" altLang="ko-KR" sz="1200" dirty="0" smtClean="0">
+              <a:rPr lang="en-US" altLang="ko-KR" sz="1200" dirty="0">
                 <a:solidFill>
                   <a:srgbClr val="000000"/>
                 </a:solidFill>
               </a:rPr>
               <a:t>   0</a:t>
             </a:r>
-            <a:endParaRPr lang="en-US" altLang="ko-KR" sz="1200" dirty="0">
-              <a:solidFill>
-                <a:srgbClr val="000000"/>
-              </a:solidFill>
-            </a:endParaRPr>
           </a:p>
         </p:txBody>
       </p:sp>
@@ -22795,19 +22670,318 @@
           </a:p>
         </p:txBody>
       </p:sp>
+      <mc:AlternateContent xmlns:mc="http://schemas.openxmlformats.org/markup-compatibility/2006">
+        <mc:Choice xmlns:p14="http://schemas.microsoft.com/office/powerpoint/2010/main" Requires="p14">
+          <p:contentPart p14:bwMode="auto" r:id="rId2">
+            <p14:nvContentPartPr>
+              <p14:cNvPr id="2" name="Ink 1">
+                <a:extLst>
+                  <a:ext uri="{FF2B5EF4-FFF2-40B4-BE49-F238E27FC236}">
+                    <a16:creationId xmlns:a16="http://schemas.microsoft.com/office/drawing/2014/main" id="{06D35A06-3266-4982-B51B-DA6D24A4F432}"/>
+                  </a:ext>
+                </a:extLst>
+              </p14:cNvPr>
+              <p14:cNvContentPartPr/>
+              <p14:nvPr/>
+            </p14:nvContentPartPr>
+            <p14:xfrm>
+              <a:off x="6304440" y="1950160"/>
+              <a:ext cx="330120" cy="97560"/>
+            </p14:xfrm>
+          </p:contentPart>
+        </mc:Choice>
+        <mc:Fallback>
+          <p:pic>
+            <p:nvPicPr>
+              <p:cNvPr id="2" name="Ink 1">
+                <a:extLst>
+                  <a:ext uri="{FF2B5EF4-FFF2-40B4-BE49-F238E27FC236}">
+                    <a16:creationId xmlns:a16="http://schemas.microsoft.com/office/drawing/2014/main" id="{06D35A06-3266-4982-B51B-DA6D24A4F432}"/>
+                  </a:ext>
+                </a:extLst>
+              </p:cNvPr>
+              <p:cNvPicPr/>
+              <p:nvPr/>
+            </p:nvPicPr>
+            <p:blipFill>
+              <a:blip r:embed="rId3"/>
+              <a:stretch>
+                <a:fillRect/>
+              </a:stretch>
+            </p:blipFill>
+            <p:spPr>
+              <a:xfrm>
+                <a:off x="6295800" y="1941520"/>
+                <a:ext cx="347760" cy="115200"/>
+              </a:xfrm>
+              <a:prstGeom prst="rect">
+                <a:avLst/>
+              </a:prstGeom>
+            </p:spPr>
+          </p:pic>
+        </mc:Fallback>
+      </mc:AlternateContent>
+      <mc:AlternateContent xmlns:mc="http://schemas.openxmlformats.org/markup-compatibility/2006">
+        <mc:Choice xmlns:p14="http://schemas.microsoft.com/office/powerpoint/2010/main" Requires="p14">
+          <p:contentPart p14:bwMode="auto" r:id="rId4">
+            <p14:nvContentPartPr>
+              <p14:cNvPr id="3" name="Ink 2">
+                <a:extLst>
+                  <a:ext uri="{FF2B5EF4-FFF2-40B4-BE49-F238E27FC236}">
+                    <a16:creationId xmlns:a16="http://schemas.microsoft.com/office/drawing/2014/main" id="{1059993B-039F-4FE8-A04F-5E67649441E6}"/>
+                  </a:ext>
+                </a:extLst>
+              </p14:cNvPr>
+              <p14:cNvContentPartPr/>
+              <p14:nvPr/>
+            </p14:nvContentPartPr>
+            <p14:xfrm>
+              <a:off x="93488" y="771589"/>
+              <a:ext cx="9143082" cy="1717991"/>
+            </p14:xfrm>
+          </p:contentPart>
+        </mc:Choice>
+        <mc:Fallback>
+          <p:pic>
+            <p:nvPicPr>
+              <p:cNvPr id="3" name="Ink 2">
+                <a:extLst>
+                  <a:ext uri="{FF2B5EF4-FFF2-40B4-BE49-F238E27FC236}">
+                    <a16:creationId xmlns:a16="http://schemas.microsoft.com/office/drawing/2014/main" id="{1059993B-039F-4FE8-A04F-5E67649441E6}"/>
+                  </a:ext>
+                </a:extLst>
+              </p:cNvPr>
+              <p:cNvPicPr/>
+              <p:nvPr/>
+            </p:nvPicPr>
+            <p:blipFill>
+              <a:blip r:embed="rId5"/>
+              <a:stretch>
+                <a:fillRect/>
+              </a:stretch>
+            </p:blipFill>
+            <p:spPr>
+              <a:xfrm>
+                <a:off x="84488" y="762949"/>
+                <a:ext cx="9160722" cy="1735632"/>
+              </a:xfrm>
+              <a:prstGeom prst="rect">
+                <a:avLst/>
+              </a:prstGeom>
+            </p:spPr>
+          </p:pic>
+        </mc:Fallback>
+      </mc:AlternateContent>
+      <mc:AlternateContent xmlns:mc="http://schemas.openxmlformats.org/markup-compatibility/2006">
+        <mc:Choice xmlns:p14="http://schemas.microsoft.com/office/powerpoint/2010/main" Requires="p14">
+          <p:contentPart p14:bwMode="auto" r:id="rId6">
+            <p14:nvContentPartPr>
+              <p14:cNvPr id="4" name="Ink 3">
+                <a:extLst>
+                  <a:ext uri="{FF2B5EF4-FFF2-40B4-BE49-F238E27FC236}">
+                    <a16:creationId xmlns:a16="http://schemas.microsoft.com/office/drawing/2014/main" id="{FC1D3B6B-6808-4913-8C40-7A482082AA4A}"/>
+                  </a:ext>
+                </a:extLst>
+              </p14:cNvPr>
+              <p14:cNvContentPartPr/>
+              <p14:nvPr/>
+            </p14:nvContentPartPr>
+            <p14:xfrm>
+              <a:off x="2468640" y="4246240"/>
+              <a:ext cx="360" cy="360"/>
+            </p14:xfrm>
+          </p:contentPart>
+        </mc:Choice>
+        <mc:Fallback>
+          <p:pic>
+            <p:nvPicPr>
+              <p:cNvPr id="4" name="Ink 3">
+                <a:extLst>
+                  <a:ext uri="{FF2B5EF4-FFF2-40B4-BE49-F238E27FC236}">
+                    <a16:creationId xmlns:a16="http://schemas.microsoft.com/office/drawing/2014/main" id="{FC1D3B6B-6808-4913-8C40-7A482082AA4A}"/>
+                  </a:ext>
+                </a:extLst>
+              </p:cNvPr>
+              <p:cNvPicPr/>
+              <p:nvPr/>
+            </p:nvPicPr>
+            <p:blipFill>
+              <a:blip r:embed="rId7"/>
+              <a:stretch>
+                <a:fillRect/>
+              </a:stretch>
+            </p:blipFill>
+            <p:spPr>
+              <a:xfrm>
+                <a:off x="2459640" y="4237240"/>
+                <a:ext cx="18000" cy="18000"/>
+              </a:xfrm>
+              <a:prstGeom prst="rect">
+                <a:avLst/>
+              </a:prstGeom>
+            </p:spPr>
+          </p:pic>
+        </mc:Fallback>
+      </mc:AlternateContent>
+      <mc:AlternateContent xmlns:mc="http://schemas.openxmlformats.org/markup-compatibility/2006">
+        <mc:Choice xmlns:p14="http://schemas.microsoft.com/office/powerpoint/2010/main" Requires="p14">
+          <p:contentPart p14:bwMode="auto" r:id="rId8">
+            <p14:nvContentPartPr>
+              <p14:cNvPr id="5" name="Ink 4">
+                <a:extLst>
+                  <a:ext uri="{FF2B5EF4-FFF2-40B4-BE49-F238E27FC236}">
+                    <a16:creationId xmlns:a16="http://schemas.microsoft.com/office/drawing/2014/main" id="{E315887A-8902-4E43-A564-D11FE089F431}"/>
+                  </a:ext>
+                </a:extLst>
+              </p14:cNvPr>
+              <p14:cNvContentPartPr/>
+              <p14:nvPr/>
+            </p14:nvContentPartPr>
+            <p14:xfrm>
+              <a:off x="2610840" y="4205920"/>
+              <a:ext cx="360" cy="360"/>
+            </p14:xfrm>
+          </p:contentPart>
+        </mc:Choice>
+        <mc:Fallback>
+          <p:pic>
+            <p:nvPicPr>
+              <p:cNvPr id="5" name="Ink 4">
+                <a:extLst>
+                  <a:ext uri="{FF2B5EF4-FFF2-40B4-BE49-F238E27FC236}">
+                    <a16:creationId xmlns:a16="http://schemas.microsoft.com/office/drawing/2014/main" id="{E315887A-8902-4E43-A564-D11FE089F431}"/>
+                  </a:ext>
+                </a:extLst>
+              </p:cNvPr>
+              <p:cNvPicPr/>
+              <p:nvPr/>
+            </p:nvPicPr>
+            <p:blipFill>
+              <a:blip r:embed="rId7"/>
+              <a:stretch>
+                <a:fillRect/>
+              </a:stretch>
+            </p:blipFill>
+            <p:spPr>
+              <a:xfrm>
+                <a:off x="2602200" y="4196920"/>
+                <a:ext cx="18000" cy="18000"/>
+              </a:xfrm>
+              <a:prstGeom prst="rect">
+                <a:avLst/>
+              </a:prstGeom>
+            </p:spPr>
+          </p:pic>
+        </mc:Fallback>
+      </mc:AlternateContent>
+      <mc:AlternateContent xmlns:mc="http://schemas.openxmlformats.org/markup-compatibility/2006">
+        <mc:Choice xmlns:p14="http://schemas.microsoft.com/office/powerpoint/2010/main" Requires="p14">
+          <p:contentPart p14:bwMode="auto" r:id="rId9">
+            <p14:nvContentPartPr>
+              <p14:cNvPr id="8" name="Ink 7">
+                <a:extLst>
+                  <a:ext uri="{FF2B5EF4-FFF2-40B4-BE49-F238E27FC236}">
+                    <a16:creationId xmlns:a16="http://schemas.microsoft.com/office/drawing/2014/main" id="{05AA9B6A-DE24-415B-8E68-2638C6FEC021}"/>
+                  </a:ext>
+                </a:extLst>
+              </p14:cNvPr>
+              <p14:cNvContentPartPr/>
+              <p14:nvPr/>
+            </p14:nvContentPartPr>
+            <p14:xfrm>
+              <a:off x="-2032440" y="680080"/>
+              <a:ext cx="360" cy="360"/>
+            </p14:xfrm>
+          </p:contentPart>
+        </mc:Choice>
+        <mc:Fallback>
+          <p:pic>
+            <p:nvPicPr>
+              <p:cNvPr id="8" name="Ink 7">
+                <a:extLst>
+                  <a:ext uri="{FF2B5EF4-FFF2-40B4-BE49-F238E27FC236}">
+                    <a16:creationId xmlns:a16="http://schemas.microsoft.com/office/drawing/2014/main" id="{05AA9B6A-DE24-415B-8E68-2638C6FEC021}"/>
+                  </a:ext>
+                </a:extLst>
+              </p:cNvPr>
+              <p:cNvPicPr/>
+              <p:nvPr/>
+            </p:nvPicPr>
+            <p:blipFill>
+              <a:blip r:embed="rId7"/>
+              <a:stretch>
+                <a:fillRect/>
+              </a:stretch>
+            </p:blipFill>
+            <p:spPr>
+              <a:xfrm>
+                <a:off x="-2041080" y="671440"/>
+                <a:ext cx="18000" cy="18000"/>
+              </a:xfrm>
+              <a:prstGeom prst="rect">
+                <a:avLst/>
+              </a:prstGeom>
+            </p:spPr>
+          </p:pic>
+        </mc:Fallback>
+      </mc:AlternateContent>
+      <mc:AlternateContent xmlns:mc="http://schemas.openxmlformats.org/markup-compatibility/2006">
+        <mc:Choice xmlns:p14="http://schemas.microsoft.com/office/powerpoint/2010/main" Requires="p14">
+          <p:contentPart p14:bwMode="auto" r:id="rId10">
+            <p14:nvContentPartPr>
+              <p14:cNvPr id="10" name="Ink 9">
+                <a:extLst>
+                  <a:ext uri="{FF2B5EF4-FFF2-40B4-BE49-F238E27FC236}">
+                    <a16:creationId xmlns:a16="http://schemas.microsoft.com/office/drawing/2014/main" id="{39838300-76BC-4F91-943F-66F643FF5C36}"/>
+                  </a:ext>
+                </a:extLst>
+              </p14:cNvPr>
+              <p14:cNvContentPartPr/>
+              <p14:nvPr/>
+            </p14:nvContentPartPr>
+            <p14:xfrm>
+              <a:off x="-2154480" y="1523560"/>
+              <a:ext cx="360" cy="360"/>
+            </p14:xfrm>
+          </p:contentPart>
+        </mc:Choice>
+        <mc:Fallback>
+          <p:pic>
+            <p:nvPicPr>
+              <p:cNvPr id="10" name="Ink 9">
+                <a:extLst>
+                  <a:ext uri="{FF2B5EF4-FFF2-40B4-BE49-F238E27FC236}">
+                    <a16:creationId xmlns:a16="http://schemas.microsoft.com/office/drawing/2014/main" id="{39838300-76BC-4F91-943F-66F643FF5C36}"/>
+                  </a:ext>
+                </a:extLst>
+              </p:cNvPr>
+              <p:cNvPicPr/>
+              <p:nvPr/>
+            </p:nvPicPr>
+            <p:blipFill>
+              <a:blip r:embed="rId7"/>
+              <a:stretch>
+                <a:fillRect/>
+              </a:stretch>
+            </p:blipFill>
+            <p:spPr>
+              <a:xfrm>
+                <a:off x="-2163480" y="1514560"/>
+                <a:ext cx="18000" cy="18000"/>
+              </a:xfrm>
+              <a:prstGeom prst="rect">
+                <a:avLst/>
+              </a:prstGeom>
+            </p:spPr>
+          </p:pic>
+        </mc:Fallback>
+      </mc:AlternateContent>
     </p:spTree>
   </p:cSld>
   <p:clrMapOvr>
     <a:masterClrMapping/>
   </p:clrMapOvr>
   <p:transition/>
-  <p:timing>
-    <p:tnLst>
-      <p:par>
-        <p:cTn id="1" dur="indefinite" restart="never" nodeType="tmRoot"/>
-      </p:par>
-    </p:tnLst>
-  </p:timing>
 </p:sld>
 </file>
 
@@ -22849,7 +23023,7 @@
           <a:lstStyle/>
           <a:p>
             <a:r>
-              <a:rPr lang="en-US" altLang="ko-KR" sz="2400" smtClean="0">
+              <a:rPr lang="en-US" altLang="ko-KR" sz="2400">
                 <a:solidFill>
                   <a:schemeClr val="tx1"/>
                 </a:solidFill>
@@ -23191,18 +23365,13 @@
               </a:lnSpc>
             </a:pPr>
             <a:r>
-              <a:rPr lang="en-US" altLang="ko-KR" sz="1200" dirty="0" smtClean="0">
+              <a:rPr lang="en-US" altLang="ko-KR" sz="1200" dirty="0">
                 <a:solidFill>
                   <a:srgbClr val="000000"/>
                 </a:solidFill>
               </a:rPr>
               <a:t>       0</a:t>
             </a:r>
-            <a:endParaRPr lang="en-US" altLang="ko-KR" sz="1200" dirty="0">
-              <a:solidFill>
-                <a:srgbClr val="000000"/>
-              </a:solidFill>
-            </a:endParaRPr>
           </a:p>
         </p:txBody>
       </p:sp>
@@ -23397,18 +23566,13 @@
               </a:lnSpc>
             </a:pPr>
             <a:r>
-              <a:rPr lang="en-US" altLang="ko-KR" sz="1200" dirty="0" smtClean="0">
+              <a:rPr lang="en-US" altLang="ko-KR" sz="1200" dirty="0">
                 <a:solidFill>
                   <a:srgbClr val="000000"/>
                 </a:solidFill>
               </a:rPr>
               <a:t>       1</a:t>
             </a:r>
-            <a:endParaRPr lang="en-US" altLang="ko-KR" sz="1200" dirty="0">
-              <a:solidFill>
-                <a:srgbClr val="000000"/>
-              </a:solidFill>
-            </a:endParaRPr>
           </a:p>
         </p:txBody>
       </p:sp>
@@ -23494,18 +23658,13 @@
               </a:lnSpc>
             </a:pPr>
             <a:r>
-              <a:rPr lang="en-US" altLang="ko-KR" sz="1200" dirty="0" smtClean="0">
+              <a:rPr lang="en-US" altLang="ko-KR" sz="1200" dirty="0">
                 <a:solidFill>
                   <a:srgbClr val="000000"/>
                 </a:solidFill>
               </a:rPr>
               <a:t>      2</a:t>
             </a:r>
-            <a:endParaRPr lang="en-US" altLang="ko-KR" sz="1200" dirty="0">
-              <a:solidFill>
-                <a:srgbClr val="000000"/>
-              </a:solidFill>
-            </a:endParaRPr>
           </a:p>
         </p:txBody>
       </p:sp>
@@ -23545,18 +23704,13 @@
               </a:lnSpc>
             </a:pPr>
             <a:r>
-              <a:rPr lang="en-US" altLang="ko-KR" sz="1200" dirty="0" smtClean="0">
+              <a:rPr lang="en-US" altLang="ko-KR" sz="1200" dirty="0">
                 <a:solidFill>
                   <a:srgbClr val="000000"/>
                 </a:solidFill>
               </a:rPr>
               <a:t>    0</a:t>
             </a:r>
-            <a:endParaRPr lang="en-US" altLang="ko-KR" sz="1200" dirty="0">
-              <a:solidFill>
-                <a:srgbClr val="000000"/>
-              </a:solidFill>
-            </a:endParaRPr>
           </a:p>
         </p:txBody>
       </p:sp>
@@ -23596,18 +23750,13 @@
               </a:lnSpc>
             </a:pPr>
             <a:r>
-              <a:rPr lang="en-US" altLang="ko-KR" sz="1200" dirty="0" smtClean="0">
+              <a:rPr lang="en-US" altLang="ko-KR" sz="1200" dirty="0">
                 <a:solidFill>
                   <a:srgbClr val="000000"/>
                 </a:solidFill>
               </a:rPr>
               <a:t>       3</a:t>
             </a:r>
-            <a:endParaRPr lang="en-US" altLang="ko-KR" sz="1200" dirty="0">
-              <a:solidFill>
-                <a:srgbClr val="000000"/>
-              </a:solidFill>
-            </a:endParaRPr>
           </a:p>
         </p:txBody>
       </p:sp>
@@ -23647,18 +23796,13 @@
               </a:lnSpc>
             </a:pPr>
             <a:r>
-              <a:rPr lang="en-US" altLang="ko-KR" sz="1200" dirty="0" smtClean="0">
+              <a:rPr lang="en-US" altLang="ko-KR" sz="1200" dirty="0">
                 <a:solidFill>
                   <a:srgbClr val="000000"/>
                 </a:solidFill>
               </a:rPr>
               <a:t>     0</a:t>
             </a:r>
-            <a:endParaRPr lang="en-US" altLang="ko-KR" sz="1200" dirty="0">
-              <a:solidFill>
-                <a:srgbClr val="000000"/>
-              </a:solidFill>
-            </a:endParaRPr>
           </a:p>
         </p:txBody>
       </p:sp>
@@ -23698,18 +23842,13 @@
               </a:lnSpc>
             </a:pPr>
             <a:r>
-              <a:rPr lang="en-US" altLang="ko-KR" sz="1200" dirty="0" smtClean="0">
+              <a:rPr lang="en-US" altLang="ko-KR" sz="1200" dirty="0">
                 <a:solidFill>
                   <a:srgbClr val="000000"/>
                 </a:solidFill>
               </a:rPr>
               <a:t>       4  </a:t>
             </a:r>
-            <a:endParaRPr lang="en-US" altLang="ko-KR" sz="1200" dirty="0">
-              <a:solidFill>
-                <a:srgbClr val="000000"/>
-              </a:solidFill>
-            </a:endParaRPr>
           </a:p>
         </p:txBody>
       </p:sp>
@@ -23749,18 +23888,13 @@
               </a:lnSpc>
             </a:pPr>
             <a:r>
-              <a:rPr lang="en-US" altLang="ko-KR" sz="1200" dirty="0" smtClean="0">
+              <a:rPr lang="en-US" altLang="ko-KR" sz="1200" dirty="0">
                 <a:solidFill>
                   <a:srgbClr val="000000"/>
                 </a:solidFill>
               </a:rPr>
               <a:t>       2</a:t>
             </a:r>
-            <a:endParaRPr lang="en-US" altLang="ko-KR" sz="1200" dirty="0">
-              <a:solidFill>
-                <a:srgbClr val="000000"/>
-              </a:solidFill>
-            </a:endParaRPr>
           </a:p>
         </p:txBody>
       </p:sp>
@@ -23800,18 +23934,13 @@
               </a:lnSpc>
             </a:pPr>
             <a:r>
-              <a:rPr lang="en-US" altLang="ko-KR" sz="1200" dirty="0" smtClean="0">
+              <a:rPr lang="en-US" altLang="ko-KR" sz="1200" dirty="0">
                 <a:solidFill>
                   <a:srgbClr val="000000"/>
                 </a:solidFill>
               </a:rPr>
               <a:t>       3</a:t>
             </a:r>
-            <a:endParaRPr lang="en-US" altLang="ko-KR" sz="1200" dirty="0">
-              <a:solidFill>
-                <a:srgbClr val="000000"/>
-              </a:solidFill>
-            </a:endParaRPr>
           </a:p>
         </p:txBody>
       </p:sp>
@@ -23851,18 +23980,13 @@
               </a:lnSpc>
             </a:pPr>
             <a:r>
-              <a:rPr lang="en-US" altLang="ko-KR" sz="1200" dirty="0" smtClean="0">
+              <a:rPr lang="en-US" altLang="ko-KR" sz="1200" dirty="0">
                 <a:solidFill>
                   <a:srgbClr val="000000"/>
                 </a:solidFill>
               </a:rPr>
               <a:t>       0</a:t>
             </a:r>
-            <a:endParaRPr lang="en-US" altLang="ko-KR" sz="1200" dirty="0">
-              <a:solidFill>
-                <a:srgbClr val="000000"/>
-              </a:solidFill>
-            </a:endParaRPr>
           </a:p>
         </p:txBody>
       </p:sp>
@@ -23902,18 +24026,13 @@
               </a:lnSpc>
             </a:pPr>
             <a:r>
-              <a:rPr lang="en-US" altLang="ko-KR" sz="1200" dirty="0" smtClean="0">
+              <a:rPr lang="en-US" altLang="ko-KR" sz="1200" dirty="0">
                 <a:solidFill>
                   <a:srgbClr val="000000"/>
                 </a:solidFill>
               </a:rPr>
               <a:t>    3</a:t>
             </a:r>
-            <a:endParaRPr lang="en-US" altLang="ko-KR" sz="1200" dirty="0">
-              <a:solidFill>
-                <a:srgbClr val="000000"/>
-              </a:solidFill>
-            </a:endParaRPr>
           </a:p>
         </p:txBody>
       </p:sp>
@@ -23953,18 +24072,13 @@
               </a:lnSpc>
             </a:pPr>
             <a:r>
-              <a:rPr lang="en-US" altLang="ko-KR" sz="1200" dirty="0" smtClean="0">
+              <a:rPr lang="en-US" altLang="ko-KR" sz="1200" dirty="0">
                 <a:solidFill>
                   <a:srgbClr val="000000"/>
                 </a:solidFill>
               </a:rPr>
               <a:t>   2</a:t>
             </a:r>
-            <a:endParaRPr lang="en-US" altLang="ko-KR" sz="1200" dirty="0">
-              <a:solidFill>
-                <a:srgbClr val="000000"/>
-              </a:solidFill>
-            </a:endParaRPr>
           </a:p>
         </p:txBody>
       </p:sp>
@@ -24004,18 +24118,13 @@
               </a:lnSpc>
             </a:pPr>
             <a:r>
-              <a:rPr lang="en-US" altLang="ko-KR" sz="1200" dirty="0" smtClean="0">
+              <a:rPr lang="en-US" altLang="ko-KR" sz="1200" dirty="0">
                 <a:solidFill>
                   <a:srgbClr val="000000"/>
                 </a:solidFill>
               </a:rPr>
               <a:t>       1</a:t>
             </a:r>
-            <a:endParaRPr lang="en-US" altLang="ko-KR" sz="1200" dirty="0">
-              <a:solidFill>
-                <a:srgbClr val="000000"/>
-              </a:solidFill>
-            </a:endParaRPr>
           </a:p>
         </p:txBody>
       </p:sp>
@@ -24055,18 +24164,13 @@
               </a:lnSpc>
             </a:pPr>
             <a:r>
-              <a:rPr lang="en-US" altLang="ko-KR" sz="1200" dirty="0" smtClean="0">
+              <a:rPr lang="en-US" altLang="ko-KR" sz="1200" dirty="0">
                 <a:solidFill>
                   <a:srgbClr val="000000"/>
                 </a:solidFill>
               </a:rPr>
               <a:t>    2</a:t>
             </a:r>
-            <a:endParaRPr lang="en-US" altLang="ko-KR" sz="1200" dirty="0">
-              <a:solidFill>
-                <a:srgbClr val="000000"/>
-              </a:solidFill>
-            </a:endParaRPr>
           </a:p>
         </p:txBody>
       </p:sp>
@@ -24106,18 +24210,13 @@
               </a:lnSpc>
             </a:pPr>
             <a:r>
-              <a:rPr lang="en-US" altLang="ko-KR" sz="1200" dirty="0" smtClean="0">
+              <a:rPr lang="en-US" altLang="ko-KR" sz="1200" dirty="0">
                 <a:solidFill>
                   <a:srgbClr val="000000"/>
                 </a:solidFill>
               </a:rPr>
               <a:t>       0</a:t>
             </a:r>
-            <a:endParaRPr lang="en-US" altLang="ko-KR" sz="1200" dirty="0">
-              <a:solidFill>
-                <a:srgbClr val="000000"/>
-              </a:solidFill>
-            </a:endParaRPr>
           </a:p>
         </p:txBody>
       </p:sp>
@@ -24157,18 +24256,13 @@
               </a:lnSpc>
             </a:pPr>
             <a:r>
-              <a:rPr lang="en-US" altLang="ko-KR" sz="1200" dirty="0" smtClean="0">
+              <a:rPr lang="en-US" altLang="ko-KR" sz="1200" dirty="0">
                 <a:solidFill>
                   <a:srgbClr val="000000"/>
                 </a:solidFill>
               </a:rPr>
               <a:t>     1</a:t>
             </a:r>
-            <a:endParaRPr lang="en-US" altLang="ko-KR" sz="1200" dirty="0">
-              <a:solidFill>
-                <a:srgbClr val="000000"/>
-              </a:solidFill>
-            </a:endParaRPr>
           </a:p>
         </p:txBody>
       </p:sp>
@@ -24208,18 +24302,13 @@
               </a:lnSpc>
             </a:pPr>
             <a:r>
-              <a:rPr lang="en-US" altLang="ko-KR" sz="1200" dirty="0" smtClean="0">
+              <a:rPr lang="en-US" altLang="ko-KR" sz="1200" dirty="0">
                 <a:solidFill>
                   <a:srgbClr val="000000"/>
                 </a:solidFill>
               </a:rPr>
               <a:t>       7</a:t>
             </a:r>
-            <a:endParaRPr lang="en-US" altLang="ko-KR" sz="1200" dirty="0">
-              <a:solidFill>
-                <a:srgbClr val="000000"/>
-              </a:solidFill>
-            </a:endParaRPr>
           </a:p>
         </p:txBody>
       </p:sp>
@@ -24368,18 +24457,13 @@
               </a:lnSpc>
             </a:pPr>
             <a:r>
-              <a:rPr lang="en-US" altLang="ko-KR" sz="1200" dirty="0" smtClean="0">
+              <a:rPr lang="en-US" altLang="ko-KR" sz="1200" dirty="0">
                 <a:solidFill>
                   <a:srgbClr val="000000"/>
                 </a:solidFill>
               </a:rPr>
               <a:t>       7</a:t>
             </a:r>
-            <a:endParaRPr lang="en-US" altLang="ko-KR" sz="1200" dirty="0">
-              <a:solidFill>
-                <a:srgbClr val="000000"/>
-              </a:solidFill>
-            </a:endParaRPr>
           </a:p>
         </p:txBody>
       </p:sp>
@@ -24419,18 +24503,13 @@
               </a:lnSpc>
             </a:pPr>
             <a:r>
-              <a:rPr lang="en-US" altLang="ko-KR" sz="1200" dirty="0" smtClean="0">
+              <a:rPr lang="en-US" altLang="ko-KR" sz="1200" dirty="0">
                 <a:solidFill>
                   <a:srgbClr val="000000"/>
                 </a:solidFill>
               </a:rPr>
               <a:t>   0</a:t>
             </a:r>
-            <a:endParaRPr lang="en-US" altLang="ko-KR" sz="1200" dirty="0">
-              <a:solidFill>
-                <a:srgbClr val="000000"/>
-              </a:solidFill>
-            </a:endParaRPr>
           </a:p>
         </p:txBody>
       </p:sp>
@@ -27099,13 +27178,6 @@
     <a:masterClrMapping/>
   </p:clrMapOvr>
   <p:transition/>
-  <p:timing>
-    <p:tnLst>
-      <p:par>
-        <p:cTn id="1" dur="indefinite" restart="never" nodeType="tmRoot"/>
-      </p:par>
-    </p:tnLst>
-  </p:timing>
 </p:sld>
 </file>
 
@@ -27142,10 +27214,9 @@
           <a:lstStyle/>
           <a:p>
             <a:r>
-              <a:rPr lang="en-US" dirty="0" smtClean="0"/>
+              <a:rPr lang="en-US" dirty="0"/>
               <a:t>Problems in Page Replacement</a:t>
             </a:r>
-            <a:endParaRPr lang="en-US" dirty="0"/>
           </a:p>
         </p:txBody>
       </p:sp>
@@ -27165,23 +27236,23 @@
           <a:lstStyle/>
           <a:p>
             <a:r>
-              <a:rPr lang="en-US" dirty="0" smtClean="0"/>
+              <a:rPr lang="en-US" dirty="0"/>
               <a:t>Consider a paging system in which M1 has a capacity of three pages. The execution of a program Q requires reference to five distinct pages Pi, where </a:t>
             </a:r>
             <a:r>
-              <a:rPr lang="en-US" dirty="0" err="1" smtClean="0"/>
+              <a:rPr lang="en-US" dirty="0" err="1"/>
               <a:t>i</a:t>
             </a:r>
             <a:r>
-              <a:rPr lang="en-US" dirty="0" smtClean="0"/>
+              <a:rPr lang="en-US" dirty="0"/>
               <a:t>= 1,2,3,4,5 and </a:t>
             </a:r>
             <a:r>
-              <a:rPr lang="en-US" dirty="0" err="1" smtClean="0"/>
+              <a:rPr lang="en-US" dirty="0" err="1"/>
               <a:t>i</a:t>
             </a:r>
             <a:r>
-              <a:rPr lang="en-US" dirty="0" smtClean="0"/>
+              <a:rPr lang="en-US" dirty="0"/>
               <a:t> is the page address. The page address stream formed by executing Q is </a:t>
             </a:r>
           </a:p>
@@ -27190,10 +27261,9 @@
               <a:buNone/>
             </a:pPr>
             <a:r>
-              <a:rPr lang="en-US" dirty="0" smtClean="0"/>
+              <a:rPr lang="en-US" dirty="0"/>
               <a:t>                2 3 2 1 5 2 4 5 3 2 5 2</a:t>
             </a:r>
-            <a:endParaRPr lang="en-US" dirty="0"/>
           </a:p>
         </p:txBody>
       </p:sp>
@@ -27202,13 +27272,6 @@
   <p:clrMapOvr>
     <a:masterClrMapping/>
   </p:clrMapOvr>
-  <p:timing>
-    <p:tnLst>
-      <p:par>
-        <p:cTn id="1" dur="indefinite" restart="never" nodeType="tmRoot"/>
-      </p:par>
-    </p:tnLst>
-  </p:timing>
 </p:sld>
 </file>
 
@@ -27245,10 +27308,9 @@
           <a:lstStyle/>
           <a:p>
             <a:r>
-              <a:rPr lang="en-US" dirty="0" smtClean="0"/>
+              <a:rPr lang="en-US" dirty="0"/>
               <a:t>Problem2</a:t>
             </a:r>
-            <a:endParaRPr lang="en-US" dirty="0"/>
           </a:p>
         </p:txBody>
       </p:sp>
@@ -27270,15 +27332,15 @@
           <a:lstStyle/>
           <a:p>
             <a:r>
-              <a:rPr lang="en-US" dirty="0" smtClean="0"/>
+              <a:rPr lang="en-US" dirty="0"/>
               <a:t>A virtual memory system has an address space of 8K words, a memory space of 4K words, and page and block sizes of 1K words. The following page reference </a:t>
             </a:r>
             <a:r>
-              <a:rPr lang="en-US" dirty="0" err="1" smtClean="0"/>
+              <a:rPr lang="en-US" dirty="0" err="1"/>
               <a:t>chanses</a:t>
             </a:r>
             <a:r>
-              <a:rPr lang="en-US" dirty="0" smtClean="0"/>
+              <a:rPr lang="en-US" dirty="0"/>
               <a:t> occur during a given time interval.</a:t>
             </a:r>
           </a:p>
@@ -27287,7 +27349,7 @@
               <a:buNone/>
             </a:pPr>
             <a:r>
-              <a:rPr lang="en-US" dirty="0" smtClean="0"/>
+              <a:rPr lang="en-US" dirty="0"/>
               <a:t>   4 2 0 1 2 6 1 4 0 1 0 2 3 5 7</a:t>
             </a:r>
           </a:p>
@@ -27296,10 +27358,9 @@
               <a:buNone/>
             </a:pPr>
             <a:r>
-              <a:rPr lang="en-US" dirty="0" smtClean="0"/>
+              <a:rPr lang="en-US" dirty="0"/>
               <a:t>Determine the four pages that are resident in main memory after each page reference change if the replacement algorithm used is FIFO, LRU and OPT.</a:t>
             </a:r>
-            <a:endParaRPr lang="en-US" dirty="0"/>
           </a:p>
         </p:txBody>
       </p:sp>
@@ -27308,13 +27369,6 @@
   <p:clrMapOvr>
     <a:masterClrMapping/>
   </p:clrMapOvr>
-  <p:timing>
-    <p:tnLst>
-      <p:par>
-        <p:cTn id="1" dur="indefinite" restart="never" nodeType="tmRoot"/>
-      </p:par>
-    </p:tnLst>
-  </p:timing>
 </p:sld>
 </file>
 
